--- a/lectures/05_Model_selection/Model selection and diagnostics.pptx
+++ b/lectures/05_Model_selection/Model selection and diagnostics.pptx
@@ -1,6 +1,6 @@
 
 <file path=ppt/presentation.xml><?xml version="1.0" encoding="utf-8"?>
-<p:presentation xmlns:a="http://schemas.openxmlformats.org/drawingml/2006/main" xmlns:r="http://schemas.openxmlformats.org/officeDocument/2006/relationships" xmlns:mc="http://schemas.openxmlformats.org/markup-compatibility/2006" xmlns:mv="urn:schemas-microsoft-com:mac:vml" xmlns:p="http://schemas.openxmlformats.org/presentationml/2006/main" mc:Ignorable="mv" mc:PreserveAttributes="mv:*">
+<p:presentation xmlns:a="http://schemas.openxmlformats.org/drawingml/2006/main" xmlns:r="http://schemas.openxmlformats.org/officeDocument/2006/relationships" xmlns:p="http://schemas.openxmlformats.org/presentationml/2006/main">
   <p:sldMasterIdLst>
     <p:sldMasterId id="2147483648" r:id="rId1"/>
   </p:sldMasterIdLst>
@@ -390,7 +390,7 @@
 </file>
 
 <file path=ppt/notesMasters/notesMaster1.xml><?xml version="1.0" encoding="utf-8"?>
-<p:notesMaster xmlns:a="http://schemas.openxmlformats.org/drawingml/2006/main" xmlns:r="http://schemas.openxmlformats.org/officeDocument/2006/relationships" xmlns:mc="http://schemas.openxmlformats.org/markup-compatibility/2006" xmlns:mv="urn:schemas-microsoft-com:mac:vml" xmlns:p="http://schemas.openxmlformats.org/presentationml/2006/main" mc:Ignorable="mv" mc:PreserveAttributes="mv:*">
+<p:notesMaster xmlns:a="http://schemas.openxmlformats.org/drawingml/2006/main" xmlns:r="http://schemas.openxmlformats.org/officeDocument/2006/relationships" xmlns:p="http://schemas.openxmlformats.org/presentationml/2006/main">
   <p:cSld>
     <p:bg>
       <p:bgRef idx="1001">
@@ -466,6 +466,11 @@
         </p:txBody>
       </p:sp>
     </p:spTree>
+    <p:extLst>
+      <p:ext uri="{BB962C8B-B14F-4D97-AF65-F5344CB8AC3E}">
+        <p14:creationId xmlns:p14="http://schemas.microsoft.com/office/powerpoint/2010/main" val="3903484407"/>
+      </p:ext>
+    </p:extLst>
   </p:cSld>
   <p:clrMap bg1="lt1" tx1="dk1" bg2="lt2" tx2="dk2" accent1="accent1" accent2="accent2" accent3="accent3" accent4="accent4" accent5="accent5" accent6="accent6" hlink="hlink" folHlink="folHlink"/>
   <p:notesStyle>
@@ -546,7 +551,7 @@
 </file>
 
 <file path=ppt/slideLayouts/slideLayout1.xml><?xml version="1.0" encoding="utf-8"?>
-<p:sldLayout xmlns:a="http://schemas.openxmlformats.org/drawingml/2006/main" xmlns:r="http://schemas.openxmlformats.org/officeDocument/2006/relationships" xmlns:mc="http://schemas.openxmlformats.org/markup-compatibility/2006" xmlns:mv="urn:schemas-microsoft-com:mac:vml" xmlns:p="http://schemas.openxmlformats.org/presentationml/2006/main" mc:Ignorable="mv" mc:PreserveAttributes="mv:*" type="tx">
+<p:sldLayout xmlns:a="http://schemas.openxmlformats.org/drawingml/2006/main" xmlns:r="http://schemas.openxmlformats.org/officeDocument/2006/relationships" xmlns:p="http://schemas.openxmlformats.org/presentationml/2006/main" type="tx">
   <p:cSld name="Twilight">
     <p:spTree>
       <p:nvGrpSpPr>
@@ -674,7 +679,7 @@
 </file>
 
 <file path=ppt/slideMasters/slideMaster1.xml><?xml version="1.0" encoding="utf-8"?>
-<p:sldMaster xmlns:a="http://schemas.openxmlformats.org/drawingml/2006/main" xmlns:r="http://schemas.openxmlformats.org/officeDocument/2006/relationships" xmlns:mc="http://schemas.openxmlformats.org/markup-compatibility/2006" xmlns:mv="urn:schemas-microsoft-com:mac:vml" xmlns:p="http://schemas.openxmlformats.org/presentationml/2006/main" mc:Ignorable="mv" mc:PreserveAttributes="mv:*">
+<p:sldMaster xmlns:a="http://schemas.openxmlformats.org/drawingml/2006/main" xmlns:r="http://schemas.openxmlformats.org/officeDocument/2006/relationships" xmlns:p="http://schemas.openxmlformats.org/presentationml/2006/main">
   <p:cSld>
     <p:bg>
       <p:bgRef idx="1001">
@@ -718,7 +723,7 @@
           </a:ln>
           <a:extLst>
             <a:ext uri="{C572A759-6A51-4108-AA02-DFA0A04FC94B}">
-              <ma14:wrappingTextBoxFlag xmlns="" xmlns:a="http://schemas.openxmlformats.org/drawingml/2006/main" xmlns:r="http://schemas.openxmlformats.org/officeDocument/2006/relationships" xmlns:p="http://schemas.openxmlformats.org/presentationml/2006/main" xmlns:ma14="http://schemas.microsoft.com/office/mac/drawingml/2011/main" xmlns:mv="urn:schemas-microsoft-com:mac:vml" xmlns:mc="http://schemas.openxmlformats.org/markup-compatibility/2006" val="1"/>
+              <ma14:wrappingTextBoxFlag xmlns:mc="http://schemas.openxmlformats.org/markup-compatibility/2006" xmlns:mv="urn:schemas-microsoft-com:mac:vml" xmlns:ma14="http://schemas.microsoft.com/office/mac/drawingml/2011/main" xmlns="" val="1"/>
             </a:ext>
           </a:extLst>
         </p:spPr>
@@ -757,7 +762,7 @@
           </a:ln>
           <a:extLst>
             <a:ext uri="{C572A759-6A51-4108-AA02-DFA0A04FC94B}">
-              <ma14:wrappingTextBoxFlag xmlns="" xmlns:a="http://schemas.openxmlformats.org/drawingml/2006/main" xmlns:r="http://schemas.openxmlformats.org/officeDocument/2006/relationships" xmlns:p="http://schemas.openxmlformats.org/presentationml/2006/main" xmlns:ma14="http://schemas.microsoft.com/office/mac/drawingml/2011/main" xmlns:mv="urn:schemas-microsoft-com:mac:vml" xmlns:mc="http://schemas.openxmlformats.org/markup-compatibility/2006" val="1"/>
+              <ma14:wrappingTextBoxFlag xmlns:mc="http://schemas.openxmlformats.org/markup-compatibility/2006" xmlns:mv="urn:schemas-microsoft-com:mac:vml" xmlns:ma14="http://schemas.microsoft.com/office/mac/drawingml/2011/main" xmlns="" val="1"/>
             </a:ext>
           </a:extLst>
         </p:spPr>
@@ -1803,7 +1808,7 @@
 </file>
 
 <file path=ppt/slides/slide1.xml><?xml version="1.0" encoding="utf-8"?>
-<p:sld xmlns:a="http://schemas.openxmlformats.org/drawingml/2006/main" xmlns:r="http://schemas.openxmlformats.org/officeDocument/2006/relationships" xmlns:mc="http://schemas.openxmlformats.org/markup-compatibility/2006" xmlns:mv="urn:schemas-microsoft-com:mac:vml" xmlns:p="http://schemas.openxmlformats.org/presentationml/2006/main" mc:Ignorable="mv" mc:PreserveAttributes="mv:*">
+<p:sld xmlns:a="http://schemas.openxmlformats.org/drawingml/2006/main" xmlns:r="http://schemas.openxmlformats.org/officeDocument/2006/relationships" xmlns:p="http://schemas.openxmlformats.org/presentationml/2006/main">
   <p:cSld>
     <p:spTree>
       <p:nvGrpSpPr>
@@ -1835,7 +1840,7 @@
           </a:prstGeom>
           <a:extLst>
             <a:ext uri="{C572A759-6A51-4108-AA02-DFA0A04FC94B}">
-              <ma14:wrappingTextBoxFlag xmlns="" xmlns:a="http://schemas.openxmlformats.org/drawingml/2006/main" xmlns:r="http://schemas.openxmlformats.org/officeDocument/2006/relationships" xmlns:p="http://schemas.openxmlformats.org/presentationml/2006/main" xmlns:ma14="http://schemas.microsoft.com/office/mac/drawingml/2011/main" xmlns:mv="urn:schemas-microsoft-com:mac:vml" xmlns:mc="http://schemas.openxmlformats.org/markup-compatibility/2006" val="1"/>
+              <ma14:wrappingTextBoxFlag xmlns:mc="http://schemas.openxmlformats.org/markup-compatibility/2006" xmlns:mv="urn:schemas-microsoft-com:mac:vml" xmlns:ma14="http://schemas.microsoft.com/office/mac/drawingml/2011/main" xmlns="" val="1"/>
             </a:ext>
           </a:extLst>
         </p:spPr>
@@ -1905,7 +1910,7 @@
 </file>
 
 <file path=ppt/slides/slide10.xml><?xml version="1.0" encoding="utf-8"?>
-<p:sld xmlns:a="http://schemas.openxmlformats.org/drawingml/2006/main" xmlns:r="http://schemas.openxmlformats.org/officeDocument/2006/relationships" xmlns:mc="http://schemas.openxmlformats.org/markup-compatibility/2006" xmlns:mv="urn:schemas-microsoft-com:mac:vml" xmlns:p="http://schemas.openxmlformats.org/presentationml/2006/main" mc:Ignorable="mv" mc:PreserveAttributes="mv:*">
+<p:sld xmlns:a="http://schemas.openxmlformats.org/drawingml/2006/main" xmlns:r="http://schemas.openxmlformats.org/officeDocument/2006/relationships" xmlns:p="http://schemas.openxmlformats.org/presentationml/2006/main">
   <p:cSld>
     <p:spTree>
       <p:nvGrpSpPr>
@@ -1937,7 +1942,7 @@
           </a:prstGeom>
           <a:extLst>
             <a:ext uri="{C572A759-6A51-4108-AA02-DFA0A04FC94B}">
-              <ma14:wrappingTextBoxFlag xmlns="" xmlns:a="http://schemas.openxmlformats.org/drawingml/2006/main" xmlns:r="http://schemas.openxmlformats.org/officeDocument/2006/relationships" xmlns:p="http://schemas.openxmlformats.org/presentationml/2006/main" xmlns:ma14="http://schemas.microsoft.com/office/mac/drawingml/2011/main" xmlns:mv="urn:schemas-microsoft-com:mac:vml" xmlns:mc="http://schemas.openxmlformats.org/markup-compatibility/2006" val="1"/>
+              <ma14:wrappingTextBoxFlag xmlns:mc="http://schemas.openxmlformats.org/markup-compatibility/2006" xmlns:mv="urn:schemas-microsoft-com:mac:vml" xmlns:ma14="http://schemas.microsoft.com/office/mac/drawingml/2011/main" xmlns="" val="1"/>
             </a:ext>
           </a:extLst>
         </p:spPr>
@@ -2006,7 +2011,7 @@
           </a:prstGeom>
           <a:extLst>
             <a:ext uri="{C572A759-6A51-4108-AA02-DFA0A04FC94B}">
-              <ma14:wrappingTextBoxFlag xmlns="" xmlns:a="http://schemas.openxmlformats.org/drawingml/2006/main" xmlns:r="http://schemas.openxmlformats.org/officeDocument/2006/relationships" xmlns:p="http://schemas.openxmlformats.org/presentationml/2006/main" xmlns:ma14="http://schemas.microsoft.com/office/mac/drawingml/2011/main" xmlns:mv="urn:schemas-microsoft-com:mac:vml" xmlns:mc="http://schemas.openxmlformats.org/markup-compatibility/2006" val="1"/>
+              <ma14:wrappingTextBoxFlag xmlns:mc="http://schemas.openxmlformats.org/markup-compatibility/2006" xmlns:mv="urn:schemas-microsoft-com:mac:vml" xmlns:ma14="http://schemas.microsoft.com/office/mac/drawingml/2011/main" xmlns="" val="1"/>
             </a:ext>
           </a:extLst>
         </p:spPr>
@@ -2326,7 +2331,7 @@
 </file>
 
 <file path=ppt/slides/slide11.xml><?xml version="1.0" encoding="utf-8"?>
-<p:sld xmlns:a="http://schemas.openxmlformats.org/drawingml/2006/main" xmlns:r="http://schemas.openxmlformats.org/officeDocument/2006/relationships" xmlns:mc="http://schemas.openxmlformats.org/markup-compatibility/2006" xmlns:mv="urn:schemas-microsoft-com:mac:vml" xmlns:p="http://schemas.openxmlformats.org/presentationml/2006/main" mc:Ignorable="mv" mc:PreserveAttributes="mv:*">
+<p:sld xmlns:a="http://schemas.openxmlformats.org/drawingml/2006/main" xmlns:r="http://schemas.openxmlformats.org/officeDocument/2006/relationships" xmlns:p="http://schemas.openxmlformats.org/presentationml/2006/main">
   <p:cSld>
     <p:spTree>
       <p:nvGrpSpPr>
@@ -2358,7 +2363,7 @@
           </a:prstGeom>
           <a:extLst>
             <a:ext uri="{C572A759-6A51-4108-AA02-DFA0A04FC94B}">
-              <ma14:wrappingTextBoxFlag xmlns="" xmlns:a="http://schemas.openxmlformats.org/drawingml/2006/main" xmlns:r="http://schemas.openxmlformats.org/officeDocument/2006/relationships" xmlns:p="http://schemas.openxmlformats.org/presentationml/2006/main" xmlns:ma14="http://schemas.microsoft.com/office/mac/drawingml/2011/main" xmlns:mv="urn:schemas-microsoft-com:mac:vml" xmlns:mc="http://schemas.openxmlformats.org/markup-compatibility/2006" val="1"/>
+              <ma14:wrappingTextBoxFlag xmlns:mc="http://schemas.openxmlformats.org/markup-compatibility/2006" xmlns:mv="urn:schemas-microsoft-com:mac:vml" xmlns:ma14="http://schemas.microsoft.com/office/mac/drawingml/2011/main" xmlns="" val="1"/>
             </a:ext>
           </a:extLst>
         </p:spPr>
@@ -2427,7 +2432,7 @@
           </a:prstGeom>
           <a:extLst>
             <a:ext uri="{C572A759-6A51-4108-AA02-DFA0A04FC94B}">
-              <ma14:wrappingTextBoxFlag xmlns="" xmlns:a="http://schemas.openxmlformats.org/drawingml/2006/main" xmlns:r="http://schemas.openxmlformats.org/officeDocument/2006/relationships" xmlns:p="http://schemas.openxmlformats.org/presentationml/2006/main" xmlns:ma14="http://schemas.microsoft.com/office/mac/drawingml/2011/main" xmlns:mv="urn:schemas-microsoft-com:mac:vml" xmlns:mc="http://schemas.openxmlformats.org/markup-compatibility/2006" val="1"/>
+              <ma14:wrappingTextBoxFlag xmlns:mc="http://schemas.openxmlformats.org/markup-compatibility/2006" xmlns:mv="urn:schemas-microsoft-com:mac:vml" xmlns:ma14="http://schemas.microsoft.com/office/mac/drawingml/2011/main" xmlns="" val="1"/>
             </a:ext>
           </a:extLst>
         </p:spPr>
@@ -2630,7 +2635,7 @@
 </file>
 
 <file path=ppt/slides/slide12.xml><?xml version="1.0" encoding="utf-8"?>
-<p:sld xmlns:a="http://schemas.openxmlformats.org/drawingml/2006/main" xmlns:r="http://schemas.openxmlformats.org/officeDocument/2006/relationships" xmlns:mc="http://schemas.openxmlformats.org/markup-compatibility/2006" xmlns:mv="urn:schemas-microsoft-com:mac:vml" xmlns:p="http://schemas.openxmlformats.org/presentationml/2006/main" mc:Ignorable="mv" mc:PreserveAttributes="mv:*">
+<p:sld xmlns:a="http://schemas.openxmlformats.org/drawingml/2006/main" xmlns:r="http://schemas.openxmlformats.org/officeDocument/2006/relationships" xmlns:p="http://schemas.openxmlformats.org/presentationml/2006/main">
   <p:cSld>
     <p:spTree>
       <p:nvGrpSpPr>
@@ -2662,7 +2667,7 @@
           </a:prstGeom>
           <a:extLst>
             <a:ext uri="{C572A759-6A51-4108-AA02-DFA0A04FC94B}">
-              <ma14:wrappingTextBoxFlag xmlns="" xmlns:a="http://schemas.openxmlformats.org/drawingml/2006/main" xmlns:r="http://schemas.openxmlformats.org/officeDocument/2006/relationships" xmlns:p="http://schemas.openxmlformats.org/presentationml/2006/main" xmlns:ma14="http://schemas.microsoft.com/office/mac/drawingml/2011/main" xmlns:mv="urn:schemas-microsoft-com:mac:vml" xmlns:mc="http://schemas.openxmlformats.org/markup-compatibility/2006" val="1"/>
+              <ma14:wrappingTextBoxFlag xmlns:mc="http://schemas.openxmlformats.org/markup-compatibility/2006" xmlns:mv="urn:schemas-microsoft-com:mac:vml" xmlns:ma14="http://schemas.microsoft.com/office/mac/drawingml/2011/main" xmlns="" val="1"/>
             </a:ext>
           </a:extLst>
         </p:spPr>
@@ -2731,7 +2736,7 @@
           </a:prstGeom>
           <a:extLst>
             <a:ext uri="{C572A759-6A51-4108-AA02-DFA0A04FC94B}">
-              <ma14:wrappingTextBoxFlag xmlns="" xmlns:a="http://schemas.openxmlformats.org/drawingml/2006/main" xmlns:r="http://schemas.openxmlformats.org/officeDocument/2006/relationships" xmlns:p="http://schemas.openxmlformats.org/presentationml/2006/main" xmlns:ma14="http://schemas.microsoft.com/office/mac/drawingml/2011/main" xmlns:mv="urn:schemas-microsoft-com:mac:vml" xmlns:mc="http://schemas.openxmlformats.org/markup-compatibility/2006" val="1"/>
+              <ma14:wrappingTextBoxFlag xmlns:mc="http://schemas.openxmlformats.org/markup-compatibility/2006" xmlns:mv="urn:schemas-microsoft-com:mac:vml" xmlns:ma14="http://schemas.microsoft.com/office/mac/drawingml/2011/main" xmlns="" val="1"/>
             </a:ext>
           </a:extLst>
         </p:spPr>
@@ -2872,7 +2877,7 @@
 </file>
 
 <file path=ppt/slides/slide13.xml><?xml version="1.0" encoding="utf-8"?>
-<p:sld xmlns:a="http://schemas.openxmlformats.org/drawingml/2006/main" xmlns:r="http://schemas.openxmlformats.org/officeDocument/2006/relationships" xmlns:mc="http://schemas.openxmlformats.org/markup-compatibility/2006" xmlns:mv="urn:schemas-microsoft-com:mac:vml" xmlns:p="http://schemas.openxmlformats.org/presentationml/2006/main" mc:Ignorable="mv" mc:PreserveAttributes="mv:*">
+<p:sld xmlns:a="http://schemas.openxmlformats.org/drawingml/2006/main" xmlns:r="http://schemas.openxmlformats.org/officeDocument/2006/relationships" xmlns:p="http://schemas.openxmlformats.org/presentationml/2006/main">
   <p:cSld>
     <p:spTree>
       <p:nvGrpSpPr>
@@ -2904,7 +2909,7 @@
           </a:prstGeom>
           <a:extLst>
             <a:ext uri="{C572A759-6A51-4108-AA02-DFA0A04FC94B}">
-              <ma14:wrappingTextBoxFlag xmlns="" xmlns:a="http://schemas.openxmlformats.org/drawingml/2006/main" xmlns:r="http://schemas.openxmlformats.org/officeDocument/2006/relationships" xmlns:p="http://schemas.openxmlformats.org/presentationml/2006/main" xmlns:ma14="http://schemas.microsoft.com/office/mac/drawingml/2011/main" xmlns:mv="urn:schemas-microsoft-com:mac:vml" xmlns:mc="http://schemas.openxmlformats.org/markup-compatibility/2006" val="1"/>
+              <ma14:wrappingTextBoxFlag xmlns:mc="http://schemas.openxmlformats.org/markup-compatibility/2006" xmlns:mv="urn:schemas-microsoft-com:mac:vml" xmlns:ma14="http://schemas.microsoft.com/office/mac/drawingml/2011/main" xmlns="" val="1"/>
             </a:ext>
           </a:extLst>
         </p:spPr>
@@ -2973,7 +2978,7 @@
           </a:prstGeom>
           <a:extLst>
             <a:ext uri="{C572A759-6A51-4108-AA02-DFA0A04FC94B}">
-              <ma14:wrappingTextBoxFlag xmlns="" xmlns:a="http://schemas.openxmlformats.org/drawingml/2006/main" xmlns:r="http://schemas.openxmlformats.org/officeDocument/2006/relationships" xmlns:p="http://schemas.openxmlformats.org/presentationml/2006/main" xmlns:ma14="http://schemas.microsoft.com/office/mac/drawingml/2011/main" xmlns:mv="urn:schemas-microsoft-com:mac:vml" xmlns:mc="http://schemas.openxmlformats.org/markup-compatibility/2006" val="1"/>
+              <ma14:wrappingTextBoxFlag xmlns:mc="http://schemas.openxmlformats.org/markup-compatibility/2006" xmlns:mv="urn:schemas-microsoft-com:mac:vml" xmlns:ma14="http://schemas.microsoft.com/office/mac/drawingml/2011/main" xmlns="" val="1"/>
             </a:ext>
           </a:extLst>
         </p:spPr>
@@ -3229,7 +3234,7 @@
 </file>
 
 <file path=ppt/slides/slide14.xml><?xml version="1.0" encoding="utf-8"?>
-<p:sld xmlns:a="http://schemas.openxmlformats.org/drawingml/2006/main" xmlns:r="http://schemas.openxmlformats.org/officeDocument/2006/relationships" xmlns:mc="http://schemas.openxmlformats.org/markup-compatibility/2006" xmlns:mv="urn:schemas-microsoft-com:mac:vml" xmlns:p="http://schemas.openxmlformats.org/presentationml/2006/main" mc:Ignorable="mv" mc:PreserveAttributes="mv:*">
+<p:sld xmlns:a="http://schemas.openxmlformats.org/drawingml/2006/main" xmlns:r="http://schemas.openxmlformats.org/officeDocument/2006/relationships" xmlns:p="http://schemas.openxmlformats.org/presentationml/2006/main">
   <p:cSld>
     <p:spTree>
       <p:nvGrpSpPr>
@@ -3261,7 +3266,7 @@
           </a:prstGeom>
           <a:extLst>
             <a:ext uri="{C572A759-6A51-4108-AA02-DFA0A04FC94B}">
-              <ma14:wrappingTextBoxFlag xmlns="" xmlns:a="http://schemas.openxmlformats.org/drawingml/2006/main" xmlns:r="http://schemas.openxmlformats.org/officeDocument/2006/relationships" xmlns:p="http://schemas.openxmlformats.org/presentationml/2006/main" xmlns:ma14="http://schemas.microsoft.com/office/mac/drawingml/2011/main" xmlns:mv="urn:schemas-microsoft-com:mac:vml" xmlns:mc="http://schemas.openxmlformats.org/markup-compatibility/2006" val="1"/>
+              <ma14:wrappingTextBoxFlag xmlns:mc="http://schemas.openxmlformats.org/markup-compatibility/2006" xmlns:mv="urn:schemas-microsoft-com:mac:vml" xmlns:ma14="http://schemas.microsoft.com/office/mac/drawingml/2011/main" xmlns="" val="1"/>
             </a:ext>
           </a:extLst>
         </p:spPr>
@@ -3330,7 +3335,7 @@
           </a:prstGeom>
           <a:extLst>
             <a:ext uri="{C572A759-6A51-4108-AA02-DFA0A04FC94B}">
-              <ma14:wrappingTextBoxFlag xmlns="" xmlns:a="http://schemas.openxmlformats.org/drawingml/2006/main" xmlns:r="http://schemas.openxmlformats.org/officeDocument/2006/relationships" xmlns:p="http://schemas.openxmlformats.org/presentationml/2006/main" xmlns:ma14="http://schemas.microsoft.com/office/mac/drawingml/2011/main" xmlns:mv="urn:schemas-microsoft-com:mac:vml" xmlns:mc="http://schemas.openxmlformats.org/markup-compatibility/2006" val="1"/>
+              <ma14:wrappingTextBoxFlag xmlns:mc="http://schemas.openxmlformats.org/markup-compatibility/2006" xmlns:mv="urn:schemas-microsoft-com:mac:vml" xmlns:ma14="http://schemas.microsoft.com/office/mac/drawingml/2011/main" xmlns="" val="1"/>
             </a:ext>
           </a:extLst>
         </p:spPr>
@@ -3612,7 +3617,7 @@
 </file>
 
 <file path=ppt/slides/slide15.xml><?xml version="1.0" encoding="utf-8"?>
-<p:sld xmlns:a="http://schemas.openxmlformats.org/drawingml/2006/main" xmlns:r="http://schemas.openxmlformats.org/officeDocument/2006/relationships" xmlns:mc="http://schemas.openxmlformats.org/markup-compatibility/2006" xmlns:mv="urn:schemas-microsoft-com:mac:vml" xmlns:p="http://schemas.openxmlformats.org/presentationml/2006/main" mc:Ignorable="mv" mc:PreserveAttributes="mv:*">
+<p:sld xmlns:a="http://schemas.openxmlformats.org/drawingml/2006/main" xmlns:r="http://schemas.openxmlformats.org/officeDocument/2006/relationships" xmlns:p="http://schemas.openxmlformats.org/presentationml/2006/main">
   <p:cSld>
     <p:spTree>
       <p:nvGrpSpPr>
@@ -3644,7 +3649,7 @@
           </a:prstGeom>
           <a:extLst>
             <a:ext uri="{C572A759-6A51-4108-AA02-DFA0A04FC94B}">
-              <ma14:wrappingTextBoxFlag xmlns="" xmlns:a="http://schemas.openxmlformats.org/drawingml/2006/main" xmlns:r="http://schemas.openxmlformats.org/officeDocument/2006/relationships" xmlns:p="http://schemas.openxmlformats.org/presentationml/2006/main" xmlns:ma14="http://schemas.microsoft.com/office/mac/drawingml/2011/main" xmlns:mv="urn:schemas-microsoft-com:mac:vml" xmlns:mc="http://schemas.openxmlformats.org/markup-compatibility/2006" val="1"/>
+              <ma14:wrappingTextBoxFlag xmlns:mc="http://schemas.openxmlformats.org/markup-compatibility/2006" xmlns:mv="urn:schemas-microsoft-com:mac:vml" xmlns:ma14="http://schemas.microsoft.com/office/mac/drawingml/2011/main" xmlns="" val="1"/>
             </a:ext>
           </a:extLst>
         </p:spPr>
@@ -3713,7 +3718,7 @@
           </a:prstGeom>
           <a:extLst>
             <a:ext uri="{C572A759-6A51-4108-AA02-DFA0A04FC94B}">
-              <ma14:wrappingTextBoxFlag xmlns="" xmlns:a="http://schemas.openxmlformats.org/drawingml/2006/main" xmlns:r="http://schemas.openxmlformats.org/officeDocument/2006/relationships" xmlns:p="http://schemas.openxmlformats.org/presentationml/2006/main" xmlns:ma14="http://schemas.microsoft.com/office/mac/drawingml/2011/main" xmlns:mv="urn:schemas-microsoft-com:mac:vml" xmlns:mc="http://schemas.openxmlformats.org/markup-compatibility/2006" val="1"/>
+              <ma14:wrappingTextBoxFlag xmlns:mc="http://schemas.openxmlformats.org/markup-compatibility/2006" xmlns:mv="urn:schemas-microsoft-com:mac:vml" xmlns:ma14="http://schemas.microsoft.com/office/mac/drawingml/2011/main" xmlns="" val="1"/>
             </a:ext>
           </a:extLst>
         </p:spPr>
@@ -3901,7 +3906,7 @@
 </file>
 
 <file path=ppt/slides/slide16.xml><?xml version="1.0" encoding="utf-8"?>
-<p:sld xmlns:a="http://schemas.openxmlformats.org/drawingml/2006/main" xmlns:r="http://schemas.openxmlformats.org/officeDocument/2006/relationships" xmlns:mc="http://schemas.openxmlformats.org/markup-compatibility/2006" xmlns:mv="urn:schemas-microsoft-com:mac:vml" xmlns:p="http://schemas.openxmlformats.org/presentationml/2006/main" mc:Ignorable="mv" mc:PreserveAttributes="mv:*">
+<p:sld xmlns:a="http://schemas.openxmlformats.org/drawingml/2006/main" xmlns:r="http://schemas.openxmlformats.org/officeDocument/2006/relationships" xmlns:p="http://schemas.openxmlformats.org/presentationml/2006/main">
   <p:cSld>
     <p:spTree>
       <p:nvGrpSpPr>
@@ -3933,7 +3938,7 @@
           </a:prstGeom>
           <a:extLst>
             <a:ext uri="{C572A759-6A51-4108-AA02-DFA0A04FC94B}">
-              <ma14:wrappingTextBoxFlag xmlns="" xmlns:a="http://schemas.openxmlformats.org/drawingml/2006/main" xmlns:r="http://schemas.openxmlformats.org/officeDocument/2006/relationships" xmlns:p="http://schemas.openxmlformats.org/presentationml/2006/main" xmlns:ma14="http://schemas.microsoft.com/office/mac/drawingml/2011/main" xmlns:mv="urn:schemas-microsoft-com:mac:vml" xmlns:mc="http://schemas.openxmlformats.org/markup-compatibility/2006" val="1"/>
+              <ma14:wrappingTextBoxFlag xmlns:mc="http://schemas.openxmlformats.org/markup-compatibility/2006" xmlns:mv="urn:schemas-microsoft-com:mac:vml" xmlns:ma14="http://schemas.microsoft.com/office/mac/drawingml/2011/main" xmlns="" val="1"/>
             </a:ext>
           </a:extLst>
         </p:spPr>
@@ -4002,7 +4007,7 @@
           </a:prstGeom>
           <a:extLst>
             <a:ext uri="{C572A759-6A51-4108-AA02-DFA0A04FC94B}">
-              <ma14:wrappingTextBoxFlag xmlns="" xmlns:a="http://schemas.openxmlformats.org/drawingml/2006/main" xmlns:r="http://schemas.openxmlformats.org/officeDocument/2006/relationships" xmlns:p="http://schemas.openxmlformats.org/presentationml/2006/main" xmlns:ma14="http://schemas.microsoft.com/office/mac/drawingml/2011/main" xmlns:mv="urn:schemas-microsoft-com:mac:vml" xmlns:mc="http://schemas.openxmlformats.org/markup-compatibility/2006" val="1"/>
+              <ma14:wrappingTextBoxFlag xmlns:mc="http://schemas.openxmlformats.org/markup-compatibility/2006" xmlns:mv="urn:schemas-microsoft-com:mac:vml" xmlns:ma14="http://schemas.microsoft.com/office/mac/drawingml/2011/main" xmlns="" val="1"/>
             </a:ext>
           </a:extLst>
         </p:spPr>
@@ -4401,7 +4406,7 @@
 </file>
 
 <file path=ppt/slides/slide17.xml><?xml version="1.0" encoding="utf-8"?>
-<p:sld xmlns:a="http://schemas.openxmlformats.org/drawingml/2006/main" xmlns:r="http://schemas.openxmlformats.org/officeDocument/2006/relationships" xmlns:mc="http://schemas.openxmlformats.org/markup-compatibility/2006" xmlns:mv="urn:schemas-microsoft-com:mac:vml" xmlns:p="http://schemas.openxmlformats.org/presentationml/2006/main" mc:Ignorable="mv" mc:PreserveAttributes="mv:*">
+<p:sld xmlns:a="http://schemas.openxmlformats.org/drawingml/2006/main" xmlns:r="http://schemas.openxmlformats.org/officeDocument/2006/relationships" xmlns:p="http://schemas.openxmlformats.org/presentationml/2006/main">
   <p:cSld>
     <p:spTree>
       <p:nvGrpSpPr>
@@ -4433,7 +4438,7 @@
           </a:prstGeom>
           <a:extLst>
             <a:ext uri="{C572A759-6A51-4108-AA02-DFA0A04FC94B}">
-              <ma14:wrappingTextBoxFlag xmlns="" xmlns:a="http://schemas.openxmlformats.org/drawingml/2006/main" xmlns:r="http://schemas.openxmlformats.org/officeDocument/2006/relationships" xmlns:p="http://schemas.openxmlformats.org/presentationml/2006/main" xmlns:ma14="http://schemas.microsoft.com/office/mac/drawingml/2011/main" xmlns:mv="urn:schemas-microsoft-com:mac:vml" xmlns:mc="http://schemas.openxmlformats.org/markup-compatibility/2006" val="1"/>
+              <ma14:wrappingTextBoxFlag xmlns:mc="http://schemas.openxmlformats.org/markup-compatibility/2006" xmlns:mv="urn:schemas-microsoft-com:mac:vml" xmlns:ma14="http://schemas.microsoft.com/office/mac/drawingml/2011/main" xmlns="" val="1"/>
             </a:ext>
           </a:extLst>
         </p:spPr>
@@ -4502,7 +4507,7 @@
           </a:prstGeom>
           <a:extLst>
             <a:ext uri="{C572A759-6A51-4108-AA02-DFA0A04FC94B}">
-              <ma14:wrappingTextBoxFlag xmlns="" xmlns:a="http://schemas.openxmlformats.org/drawingml/2006/main" xmlns:r="http://schemas.openxmlformats.org/officeDocument/2006/relationships" xmlns:p="http://schemas.openxmlformats.org/presentationml/2006/main" xmlns:ma14="http://schemas.microsoft.com/office/mac/drawingml/2011/main" xmlns:mv="urn:schemas-microsoft-com:mac:vml" xmlns:mc="http://schemas.openxmlformats.org/markup-compatibility/2006" val="1"/>
+              <ma14:wrappingTextBoxFlag xmlns:mc="http://schemas.openxmlformats.org/markup-compatibility/2006" xmlns:mv="urn:schemas-microsoft-com:mac:vml" xmlns:ma14="http://schemas.microsoft.com/office/mac/drawingml/2011/main" xmlns="" val="1"/>
             </a:ext>
           </a:extLst>
         </p:spPr>
@@ -4919,9 +4924,59 @@
         </p:xfrm>
         <a:graphic>
           <a:graphicData uri="http://schemas.openxmlformats.org/presentationml/2006/ole">
-            <p:oleObj spid="_x0000_s19458" name="Equation" r:id="rId3" imgW="850900" imgH="190500" progId="Equation.3">
-              <p:embed/>
-            </p:oleObj>
+            <mc:AlternateContent xmlns:mc="http://schemas.openxmlformats.org/markup-compatibility/2006">
+              <mc:Choice xmlns:v="urn:schemas-microsoft-com:vml" Requires="v">
+                <p:oleObj spid="_x0000_s19460" name="Equation" r:id="rId3" imgW="850900" imgH="190500" progId="Equation.3">
+                  <p:embed/>
+                </p:oleObj>
+              </mc:Choice>
+              <mc:Fallback>
+                <p:oleObj name="Equation" r:id="rId3" imgW="850900" imgH="190500" progId="Equation.3">
+                  <p:embed/>
+                  <p:pic>
+                    <p:nvPicPr>
+                      <p:cNvPr id="0" name="Picture 2"/>
+                      <p:cNvPicPr>
+                        <a:picLocks noChangeAspect="1" noChangeArrowheads="1"/>
+                      </p:cNvPicPr>
+                      <p:nvPr/>
+                    </p:nvPicPr>
+                    <p:blipFill>
+                      <a:blip r:embed="rId4">
+                        <a:extLst>
+                          <a:ext uri="{28A0092B-C50C-407E-A947-70E740481C1C}">
+                            <a14:useLocalDpi xmlns:a14="http://schemas.microsoft.com/office/drawing/2010/main" val="0"/>
+                          </a:ext>
+                        </a:extLst>
+                      </a:blip>
+                      <a:srcRect/>
+                      <a:stretch>
+                        <a:fillRect/>
+                      </a:stretch>
+                    </p:blipFill>
+                    <p:spPr bwMode="auto">
+                      <a:xfrm>
+                        <a:off x="4800600" y="3700463"/>
+                        <a:ext cx="3403600" cy="762000"/>
+                      </a:xfrm>
+                      <a:prstGeom prst="rect">
+                        <a:avLst/>
+                      </a:prstGeom>
+                      <a:noFill/>
+                      <a:extLst>
+                        <a:ext uri="{909E8E84-426E-40DD-AFC4-6F175D3DCCD1}">
+                          <a14:hiddenFill xmlns:a14="http://schemas.microsoft.com/office/drawing/2010/main">
+                            <a:solidFill>
+                              <a:srgbClr val="FFFFFF"/>
+                            </a:solidFill>
+                          </a14:hiddenFill>
+                        </a:ext>
+                      </a:extLst>
+                    </p:spPr>
+                  </p:pic>
+                </p:oleObj>
+              </mc:Fallback>
+            </mc:AlternateContent>
           </a:graphicData>
         </a:graphic>
       </p:graphicFrame>
@@ -4935,7 +4990,7 @@
 </file>
 
 <file path=ppt/slides/slide18.xml><?xml version="1.0" encoding="utf-8"?>
-<p:sld xmlns:a="http://schemas.openxmlformats.org/drawingml/2006/main" xmlns:r="http://schemas.openxmlformats.org/officeDocument/2006/relationships" xmlns:mc="http://schemas.openxmlformats.org/markup-compatibility/2006" xmlns:mv="urn:schemas-microsoft-com:mac:vml" xmlns:p="http://schemas.openxmlformats.org/presentationml/2006/main" mc:Ignorable="mv" mc:PreserveAttributes="mv:*">
+<p:sld xmlns:a="http://schemas.openxmlformats.org/drawingml/2006/main" xmlns:r="http://schemas.openxmlformats.org/officeDocument/2006/relationships" xmlns:p="http://schemas.openxmlformats.org/presentationml/2006/main">
   <p:cSld>
     <p:spTree>
       <p:nvGrpSpPr>
@@ -4967,7 +5022,7 @@
           </a:prstGeom>
           <a:extLst>
             <a:ext uri="{C572A759-6A51-4108-AA02-DFA0A04FC94B}">
-              <ma14:wrappingTextBoxFlag xmlns="" xmlns:a="http://schemas.openxmlformats.org/drawingml/2006/main" xmlns:r="http://schemas.openxmlformats.org/officeDocument/2006/relationships" xmlns:p="http://schemas.openxmlformats.org/presentationml/2006/main" xmlns:ma14="http://schemas.microsoft.com/office/mac/drawingml/2011/main" xmlns:mv="urn:schemas-microsoft-com:mac:vml" xmlns:mc="http://schemas.openxmlformats.org/markup-compatibility/2006" val="1"/>
+              <ma14:wrappingTextBoxFlag xmlns:mc="http://schemas.openxmlformats.org/markup-compatibility/2006" xmlns:mv="urn:schemas-microsoft-com:mac:vml" xmlns:ma14="http://schemas.microsoft.com/office/mac/drawingml/2011/main" xmlns="" val="1"/>
             </a:ext>
           </a:extLst>
         </p:spPr>
@@ -5036,7 +5091,7 @@
           </a:prstGeom>
           <a:extLst>
             <a:ext uri="{C572A759-6A51-4108-AA02-DFA0A04FC94B}">
-              <ma14:wrappingTextBoxFlag xmlns="" xmlns:a="http://schemas.openxmlformats.org/drawingml/2006/main" xmlns:r="http://schemas.openxmlformats.org/officeDocument/2006/relationships" xmlns:p="http://schemas.openxmlformats.org/presentationml/2006/main" xmlns:ma14="http://schemas.microsoft.com/office/mac/drawingml/2011/main" xmlns:mv="urn:schemas-microsoft-com:mac:vml" xmlns:mc="http://schemas.openxmlformats.org/markup-compatibility/2006" val="1"/>
+              <ma14:wrappingTextBoxFlag xmlns:mc="http://schemas.openxmlformats.org/markup-compatibility/2006" xmlns:mv="urn:schemas-microsoft-com:mac:vml" xmlns:ma14="http://schemas.microsoft.com/office/mac/drawingml/2011/main" xmlns="" val="1"/>
             </a:ext>
           </a:extLst>
         </p:spPr>
@@ -5280,7 +5335,7 @@
           </a:prstGeom>
           <a:extLst>
             <a:ext uri="{C572A759-6A51-4108-AA02-DFA0A04FC94B}">
-              <ma14:wrappingTextBoxFlag xmlns="" xmlns:a="http://schemas.openxmlformats.org/drawingml/2006/main" xmlns:r="http://schemas.openxmlformats.org/officeDocument/2006/relationships" xmlns:p="http://schemas.openxmlformats.org/presentationml/2006/main" xmlns:ma14="http://schemas.microsoft.com/office/mac/drawingml/2011/main" xmlns:mv="urn:schemas-microsoft-com:mac:vml" xmlns:mc="http://schemas.openxmlformats.org/markup-compatibility/2006" val="1"/>
+              <ma14:wrappingTextBoxFlag xmlns:mc="http://schemas.openxmlformats.org/markup-compatibility/2006" xmlns:mv="urn:schemas-microsoft-com:mac:vml" xmlns:ma14="http://schemas.microsoft.com/office/mac/drawingml/2011/main" xmlns="" val="1"/>
             </a:ext>
           </a:extLst>
         </p:spPr>
@@ -5661,7 +5716,7 @@
 </file>
 
 <file path=ppt/slides/slide19.xml><?xml version="1.0" encoding="utf-8"?>
-<p:sld xmlns:a="http://schemas.openxmlformats.org/drawingml/2006/main" xmlns:r="http://schemas.openxmlformats.org/officeDocument/2006/relationships" xmlns:mc="http://schemas.openxmlformats.org/markup-compatibility/2006" xmlns:mv="urn:schemas-microsoft-com:mac:vml" xmlns:p="http://schemas.openxmlformats.org/presentationml/2006/main" mc:Ignorable="mv" mc:PreserveAttributes="mv:*">
+<p:sld xmlns:a="http://schemas.openxmlformats.org/drawingml/2006/main" xmlns:r="http://schemas.openxmlformats.org/officeDocument/2006/relationships" xmlns:p="http://schemas.openxmlformats.org/presentationml/2006/main">
   <p:cSld>
     <p:spTree>
       <p:nvGrpSpPr>
@@ -5693,7 +5748,7 @@
           </a:prstGeom>
           <a:extLst>
             <a:ext uri="{C572A759-6A51-4108-AA02-DFA0A04FC94B}">
-              <ma14:wrappingTextBoxFlag xmlns="" xmlns:a="http://schemas.openxmlformats.org/drawingml/2006/main" xmlns:r="http://schemas.openxmlformats.org/officeDocument/2006/relationships" xmlns:p="http://schemas.openxmlformats.org/presentationml/2006/main" xmlns:ma14="http://schemas.microsoft.com/office/mac/drawingml/2011/main" xmlns:mv="urn:schemas-microsoft-com:mac:vml" xmlns:mc="http://schemas.openxmlformats.org/markup-compatibility/2006" val="1"/>
+              <ma14:wrappingTextBoxFlag xmlns:mc="http://schemas.openxmlformats.org/markup-compatibility/2006" xmlns:mv="urn:schemas-microsoft-com:mac:vml" xmlns:ma14="http://schemas.microsoft.com/office/mac/drawingml/2011/main" xmlns="" val="1"/>
             </a:ext>
           </a:extLst>
         </p:spPr>
@@ -5762,7 +5817,7 @@
           </a:prstGeom>
           <a:extLst>
             <a:ext uri="{C572A759-6A51-4108-AA02-DFA0A04FC94B}">
-              <ma14:wrappingTextBoxFlag xmlns="" xmlns:a="http://schemas.openxmlformats.org/drawingml/2006/main" xmlns:r="http://schemas.openxmlformats.org/officeDocument/2006/relationships" xmlns:p="http://schemas.openxmlformats.org/presentationml/2006/main" xmlns:ma14="http://schemas.microsoft.com/office/mac/drawingml/2011/main" xmlns:mv="urn:schemas-microsoft-com:mac:vml" xmlns:mc="http://schemas.openxmlformats.org/markup-compatibility/2006" val="1"/>
+              <ma14:wrappingTextBoxFlag xmlns:mc="http://schemas.openxmlformats.org/markup-compatibility/2006" xmlns:mv="urn:schemas-microsoft-com:mac:vml" xmlns:ma14="http://schemas.microsoft.com/office/mac/drawingml/2011/main" xmlns="" val="1"/>
             </a:ext>
           </a:extLst>
         </p:spPr>
@@ -6148,7 +6203,7 @@
 </file>
 
 <file path=ppt/slides/slide2.xml><?xml version="1.0" encoding="utf-8"?>
-<p:sld xmlns:a="http://schemas.openxmlformats.org/drawingml/2006/main" xmlns:r="http://schemas.openxmlformats.org/officeDocument/2006/relationships" xmlns:mc="http://schemas.openxmlformats.org/markup-compatibility/2006" xmlns:mv="urn:schemas-microsoft-com:mac:vml" xmlns:p="http://schemas.openxmlformats.org/presentationml/2006/main" mc:Ignorable="mv" mc:PreserveAttributes="mv:*">
+<p:sld xmlns:a="http://schemas.openxmlformats.org/drawingml/2006/main" xmlns:r="http://schemas.openxmlformats.org/officeDocument/2006/relationships" xmlns:p="http://schemas.openxmlformats.org/presentationml/2006/main">
   <p:cSld>
     <p:spTree>
       <p:nvGrpSpPr>
@@ -6208,7 +6263,7 @@
         <p:spPr/>
         <p:txBody>
           <a:bodyPr>
-            <a:normAutofit lnSpcReduction="10000"/>
+            <a:normAutofit/>
           </a:bodyPr>
           <a:lstStyle/>
           <a:p>
@@ -6234,34 +6289,42 @@
               <a:rPr lang="en-US" dirty="0" smtClean="0">
                 <a:hlinkClick r:id="rId2"/>
               </a:rPr>
-              <a:t>https://docs.hpc.qmul.ac.uk/intro/login</a:t>
+              <a:t>https://docs.hpc.qmul.ac.uk/intro/login/</a:t>
+            </a:r>
+            <a:endParaRPr lang="en-US" dirty="0" smtClean="0"/>
+          </a:p>
+          <a:p>
+            <a:r>
+              <a:rPr lang="en-US" dirty="0" smtClean="0"/>
+              <a:t>3</a:t>
             </a:r>
             <a:r>
               <a:rPr lang="en-US" dirty="0" smtClean="0">
-                <a:hlinkClick r:id="rId2"/>
-              </a:rPr>
-              <a:t>/</a:t>
+                <a:hlinkClick r:id="rId3"/>
+              </a:rPr>
+              <a:t>. </a:t>
+            </a:r>
+            <a:r>
+              <a:rPr lang="en-US" dirty="0" smtClean="0">
+                <a:hlinkClick r:id="rId3"/>
+              </a:rPr>
+              <a:t>Crick Institute seminar, next Thurs</a:t>
+            </a:r>
+            <a:r>
+              <a:rPr lang="en-US" dirty="0" smtClean="0"/>
+              <a:t>, 1600-1700: </a:t>
+            </a:r>
+            <a:r>
+              <a:rPr lang="en-US" dirty="0" smtClean="0">
+                <a:hlinkClick r:id="rId4"/>
+              </a:rPr>
+              <a:t>Mike Levine</a:t>
+            </a:r>
+            <a:r>
+              <a:rPr lang="en-US" smtClean="0"/>
+              <a:t>, Princeton</a:t>
             </a:r>
             <a:endParaRPr lang="en-US" dirty="0" smtClean="0"/>
-          </a:p>
-          <a:p>
-            <a:r>
-              <a:rPr lang="en-US" dirty="0" smtClean="0"/>
-              <a:t>3. CBB Seminar, next Weds 1300-1500</a:t>
-            </a:r>
-          </a:p>
-          <a:p>
-            <a:r>
-              <a:rPr lang="en-US" dirty="0" smtClean="0"/>
-              <a:t>4. LERN Big Data debate, next Thurs 1800+</a:t>
-            </a:r>
-          </a:p>
-          <a:p>
-            <a:r>
-              <a:rPr lang="en-US" dirty="0" smtClean="0"/>
-              <a:t>5. Solutions to exercises</a:t>
-            </a:r>
-            <a:endParaRPr lang="en-GB" dirty="0"/>
           </a:p>
         </p:txBody>
       </p:sp>
@@ -6282,7 +6345,7 @@
 </file>
 
 <file path=ppt/slides/slide20.xml><?xml version="1.0" encoding="utf-8"?>
-<p:sld xmlns:a="http://schemas.openxmlformats.org/drawingml/2006/main" xmlns:r="http://schemas.openxmlformats.org/officeDocument/2006/relationships" xmlns:mc="http://schemas.openxmlformats.org/markup-compatibility/2006" xmlns:mv="urn:schemas-microsoft-com:mac:vml" xmlns:p="http://schemas.openxmlformats.org/presentationml/2006/main" mc:Ignorable="mv" mc:PreserveAttributes="mv:*">
+<p:sld xmlns:a="http://schemas.openxmlformats.org/drawingml/2006/main" xmlns:r="http://schemas.openxmlformats.org/officeDocument/2006/relationships" xmlns:p="http://schemas.openxmlformats.org/presentationml/2006/main">
   <p:cSld>
     <p:spTree>
       <p:nvGrpSpPr>
@@ -6314,7 +6377,7 @@
           </a:prstGeom>
           <a:extLst>
             <a:ext uri="{C572A759-6A51-4108-AA02-DFA0A04FC94B}">
-              <ma14:wrappingTextBoxFlag xmlns="" xmlns:a="http://schemas.openxmlformats.org/drawingml/2006/main" xmlns:r="http://schemas.openxmlformats.org/officeDocument/2006/relationships" xmlns:p="http://schemas.openxmlformats.org/presentationml/2006/main" xmlns:ma14="http://schemas.microsoft.com/office/mac/drawingml/2011/main" xmlns:mv="urn:schemas-microsoft-com:mac:vml" xmlns:mc="http://schemas.openxmlformats.org/markup-compatibility/2006" val="1"/>
+              <ma14:wrappingTextBoxFlag xmlns:mc="http://schemas.openxmlformats.org/markup-compatibility/2006" xmlns:mv="urn:schemas-microsoft-com:mac:vml" xmlns:ma14="http://schemas.microsoft.com/office/mac/drawingml/2011/main" xmlns="" val="1"/>
             </a:ext>
           </a:extLst>
         </p:spPr>
@@ -6383,7 +6446,7 @@
           </a:prstGeom>
           <a:extLst>
             <a:ext uri="{C572A759-6A51-4108-AA02-DFA0A04FC94B}">
-              <ma14:wrappingTextBoxFlag xmlns="" xmlns:a="http://schemas.openxmlformats.org/drawingml/2006/main" xmlns:r="http://schemas.openxmlformats.org/officeDocument/2006/relationships" xmlns:p="http://schemas.openxmlformats.org/presentationml/2006/main" xmlns:ma14="http://schemas.microsoft.com/office/mac/drawingml/2011/main" xmlns:mv="urn:schemas-microsoft-com:mac:vml" xmlns:mc="http://schemas.openxmlformats.org/markup-compatibility/2006" val="1"/>
+              <ma14:wrappingTextBoxFlag xmlns:mc="http://schemas.openxmlformats.org/markup-compatibility/2006" xmlns:mv="urn:schemas-microsoft-com:mac:vml" xmlns:ma14="http://schemas.microsoft.com/office/mac/drawingml/2011/main" xmlns="" val="1"/>
             </a:ext>
           </a:extLst>
         </p:spPr>
@@ -6691,7 +6754,7 @@
 </file>
 
 <file path=ppt/slides/slide21.xml><?xml version="1.0" encoding="utf-8"?>
-<p:sld xmlns:a="http://schemas.openxmlformats.org/drawingml/2006/main" xmlns:r="http://schemas.openxmlformats.org/officeDocument/2006/relationships" xmlns:mc="http://schemas.openxmlformats.org/markup-compatibility/2006" xmlns:mv="urn:schemas-microsoft-com:mac:vml" xmlns:p="http://schemas.openxmlformats.org/presentationml/2006/main" mc:Ignorable="mv" mc:PreserveAttributes="mv:*">
+<p:sld xmlns:a="http://schemas.openxmlformats.org/drawingml/2006/main" xmlns:r="http://schemas.openxmlformats.org/officeDocument/2006/relationships" xmlns:p="http://schemas.openxmlformats.org/presentationml/2006/main">
   <p:cSld>
     <p:spTree>
       <p:nvGrpSpPr>
@@ -6723,7 +6786,7 @@
           </a:prstGeom>
           <a:extLst>
             <a:ext uri="{C572A759-6A51-4108-AA02-DFA0A04FC94B}">
-              <ma14:wrappingTextBoxFlag xmlns="" xmlns:a="http://schemas.openxmlformats.org/drawingml/2006/main" xmlns:r="http://schemas.openxmlformats.org/officeDocument/2006/relationships" xmlns:p="http://schemas.openxmlformats.org/presentationml/2006/main" xmlns:ma14="http://schemas.microsoft.com/office/mac/drawingml/2011/main" xmlns:mv="urn:schemas-microsoft-com:mac:vml" xmlns:mc="http://schemas.openxmlformats.org/markup-compatibility/2006" val="1"/>
+              <ma14:wrappingTextBoxFlag xmlns:mc="http://schemas.openxmlformats.org/markup-compatibility/2006" xmlns:mv="urn:schemas-microsoft-com:mac:vml" xmlns:ma14="http://schemas.microsoft.com/office/mac/drawingml/2011/main" xmlns="" val="1"/>
             </a:ext>
           </a:extLst>
         </p:spPr>
@@ -6792,7 +6855,7 @@
           </a:prstGeom>
           <a:extLst>
             <a:ext uri="{C572A759-6A51-4108-AA02-DFA0A04FC94B}">
-              <ma14:wrappingTextBoxFlag xmlns="" xmlns:a="http://schemas.openxmlformats.org/drawingml/2006/main" xmlns:r="http://schemas.openxmlformats.org/officeDocument/2006/relationships" xmlns:p="http://schemas.openxmlformats.org/presentationml/2006/main" xmlns:ma14="http://schemas.microsoft.com/office/mac/drawingml/2011/main" xmlns:mv="urn:schemas-microsoft-com:mac:vml" xmlns:mc="http://schemas.openxmlformats.org/markup-compatibility/2006" val="1"/>
+              <ma14:wrappingTextBoxFlag xmlns:mc="http://schemas.openxmlformats.org/markup-compatibility/2006" xmlns:mv="urn:schemas-microsoft-com:mac:vml" xmlns:ma14="http://schemas.microsoft.com/office/mac/drawingml/2011/main" xmlns="" val="1"/>
             </a:ext>
           </a:extLst>
         </p:spPr>
@@ -7136,7 +7199,7 @@
 </file>
 
 <file path=ppt/slides/slide22.xml><?xml version="1.0" encoding="utf-8"?>
-<p:sld xmlns:a="http://schemas.openxmlformats.org/drawingml/2006/main" xmlns:r="http://schemas.openxmlformats.org/officeDocument/2006/relationships" xmlns:mc="http://schemas.openxmlformats.org/markup-compatibility/2006" xmlns:mv="urn:schemas-microsoft-com:mac:vml" xmlns:p="http://schemas.openxmlformats.org/presentationml/2006/main" mc:Ignorable="mv" mc:PreserveAttributes="mv:*">
+<p:sld xmlns:a="http://schemas.openxmlformats.org/drawingml/2006/main" xmlns:r="http://schemas.openxmlformats.org/officeDocument/2006/relationships" xmlns:p="http://schemas.openxmlformats.org/presentationml/2006/main">
   <p:cSld>
     <p:spTree>
       <p:nvGrpSpPr>
@@ -7168,7 +7231,7 @@
           </a:prstGeom>
           <a:extLst>
             <a:ext uri="{C572A759-6A51-4108-AA02-DFA0A04FC94B}">
-              <ma14:wrappingTextBoxFlag xmlns="" xmlns:a="http://schemas.openxmlformats.org/drawingml/2006/main" xmlns:r="http://schemas.openxmlformats.org/officeDocument/2006/relationships" xmlns:p="http://schemas.openxmlformats.org/presentationml/2006/main" xmlns:ma14="http://schemas.microsoft.com/office/mac/drawingml/2011/main" xmlns:mv="urn:schemas-microsoft-com:mac:vml" xmlns:mc="http://schemas.openxmlformats.org/markup-compatibility/2006" val="1"/>
+              <ma14:wrappingTextBoxFlag xmlns:mc="http://schemas.openxmlformats.org/markup-compatibility/2006" xmlns:mv="urn:schemas-microsoft-com:mac:vml" xmlns:ma14="http://schemas.microsoft.com/office/mac/drawingml/2011/main" xmlns="" val="1"/>
             </a:ext>
           </a:extLst>
         </p:spPr>
@@ -7237,7 +7300,7 @@
           </a:prstGeom>
           <a:extLst>
             <a:ext uri="{C572A759-6A51-4108-AA02-DFA0A04FC94B}">
-              <ma14:wrappingTextBoxFlag xmlns="" xmlns:a="http://schemas.openxmlformats.org/drawingml/2006/main" xmlns:r="http://schemas.openxmlformats.org/officeDocument/2006/relationships" xmlns:p="http://schemas.openxmlformats.org/presentationml/2006/main" xmlns:ma14="http://schemas.microsoft.com/office/mac/drawingml/2011/main" xmlns:mv="urn:schemas-microsoft-com:mac:vml" xmlns:mc="http://schemas.openxmlformats.org/markup-compatibility/2006" val="1"/>
+              <ma14:wrappingTextBoxFlag xmlns:mc="http://schemas.openxmlformats.org/markup-compatibility/2006" xmlns:mv="urn:schemas-microsoft-com:mac:vml" xmlns:ma14="http://schemas.microsoft.com/office/mac/drawingml/2011/main" xmlns="" val="1"/>
             </a:ext>
           </a:extLst>
         </p:spPr>
@@ -7326,7 +7389,7 @@
 </file>
 
 <file path=ppt/slides/slide23.xml><?xml version="1.0" encoding="utf-8"?>
-<p:sld xmlns:a="http://schemas.openxmlformats.org/drawingml/2006/main" xmlns:r="http://schemas.openxmlformats.org/officeDocument/2006/relationships" xmlns:mc="http://schemas.openxmlformats.org/markup-compatibility/2006" xmlns:mv="urn:schemas-microsoft-com:mac:vml" xmlns:p="http://schemas.openxmlformats.org/presentationml/2006/main" mc:Ignorable="mv" mc:PreserveAttributes="mv:*">
+<p:sld xmlns:a="http://schemas.openxmlformats.org/drawingml/2006/main" xmlns:r="http://schemas.openxmlformats.org/officeDocument/2006/relationships" xmlns:p="http://schemas.openxmlformats.org/presentationml/2006/main">
   <p:cSld>
     <p:spTree>
       <p:nvGrpSpPr>
@@ -7358,7 +7421,7 @@
           </a:prstGeom>
           <a:extLst>
             <a:ext uri="{C572A759-6A51-4108-AA02-DFA0A04FC94B}">
-              <ma14:wrappingTextBoxFlag xmlns="" xmlns:a="http://schemas.openxmlformats.org/drawingml/2006/main" xmlns:r="http://schemas.openxmlformats.org/officeDocument/2006/relationships" xmlns:p="http://schemas.openxmlformats.org/presentationml/2006/main" xmlns:ma14="http://schemas.microsoft.com/office/mac/drawingml/2011/main" xmlns:mv="urn:schemas-microsoft-com:mac:vml" xmlns:mc="http://schemas.openxmlformats.org/markup-compatibility/2006" val="1"/>
+              <ma14:wrappingTextBoxFlag xmlns:mc="http://schemas.openxmlformats.org/markup-compatibility/2006" xmlns:mv="urn:schemas-microsoft-com:mac:vml" xmlns:ma14="http://schemas.microsoft.com/office/mac/drawingml/2011/main" xmlns="" val="1"/>
             </a:ext>
           </a:extLst>
         </p:spPr>
@@ -7427,7 +7490,7 @@
           </a:prstGeom>
           <a:extLst>
             <a:ext uri="{C572A759-6A51-4108-AA02-DFA0A04FC94B}">
-              <ma14:wrappingTextBoxFlag xmlns="" xmlns:a="http://schemas.openxmlformats.org/drawingml/2006/main" xmlns:r="http://schemas.openxmlformats.org/officeDocument/2006/relationships" xmlns:p="http://schemas.openxmlformats.org/presentationml/2006/main" xmlns:ma14="http://schemas.microsoft.com/office/mac/drawingml/2011/main" xmlns:mv="urn:schemas-microsoft-com:mac:vml" xmlns:mc="http://schemas.openxmlformats.org/markup-compatibility/2006" val="1"/>
+              <ma14:wrappingTextBoxFlag xmlns:mc="http://schemas.openxmlformats.org/markup-compatibility/2006" xmlns:mv="urn:schemas-microsoft-com:mac:vml" xmlns:ma14="http://schemas.microsoft.com/office/mac/drawingml/2011/main" xmlns="" val="1"/>
             </a:ext>
           </a:extLst>
         </p:spPr>
@@ -7516,7 +7579,7 @@
 </file>
 
 <file path=ppt/slides/slide24.xml><?xml version="1.0" encoding="utf-8"?>
-<p:sld xmlns:a="http://schemas.openxmlformats.org/drawingml/2006/main" xmlns:r="http://schemas.openxmlformats.org/officeDocument/2006/relationships" xmlns:mc="http://schemas.openxmlformats.org/markup-compatibility/2006" xmlns:mv="urn:schemas-microsoft-com:mac:vml" xmlns:p="http://schemas.openxmlformats.org/presentationml/2006/main" mc:Ignorable="mv" mc:PreserveAttributes="mv:*">
+<p:sld xmlns:a="http://schemas.openxmlformats.org/drawingml/2006/main" xmlns:r="http://schemas.openxmlformats.org/officeDocument/2006/relationships" xmlns:p="http://schemas.openxmlformats.org/presentationml/2006/main">
   <p:cSld>
     <p:spTree>
       <p:nvGrpSpPr>
@@ -7548,7 +7611,7 @@
           </a:prstGeom>
           <a:extLst>
             <a:ext uri="{C572A759-6A51-4108-AA02-DFA0A04FC94B}">
-              <ma14:wrappingTextBoxFlag xmlns="" xmlns:a="http://schemas.openxmlformats.org/drawingml/2006/main" xmlns:r="http://schemas.openxmlformats.org/officeDocument/2006/relationships" xmlns:p="http://schemas.openxmlformats.org/presentationml/2006/main" xmlns:ma14="http://schemas.microsoft.com/office/mac/drawingml/2011/main" xmlns:mv="urn:schemas-microsoft-com:mac:vml" xmlns:mc="http://schemas.openxmlformats.org/markup-compatibility/2006" val="1"/>
+              <ma14:wrappingTextBoxFlag xmlns:mc="http://schemas.openxmlformats.org/markup-compatibility/2006" xmlns:mv="urn:schemas-microsoft-com:mac:vml" xmlns:ma14="http://schemas.microsoft.com/office/mac/drawingml/2011/main" xmlns="" val="1"/>
             </a:ext>
           </a:extLst>
         </p:spPr>
@@ -7617,7 +7680,7 @@
           </a:prstGeom>
           <a:extLst>
             <a:ext uri="{C572A759-6A51-4108-AA02-DFA0A04FC94B}">
-              <ma14:wrappingTextBoxFlag xmlns="" xmlns:a="http://schemas.openxmlformats.org/drawingml/2006/main" xmlns:r="http://schemas.openxmlformats.org/officeDocument/2006/relationships" xmlns:p="http://schemas.openxmlformats.org/presentationml/2006/main" xmlns:ma14="http://schemas.microsoft.com/office/mac/drawingml/2011/main" xmlns:mv="urn:schemas-microsoft-com:mac:vml" xmlns:mc="http://schemas.openxmlformats.org/markup-compatibility/2006" val="1"/>
+              <ma14:wrappingTextBoxFlag xmlns:mc="http://schemas.openxmlformats.org/markup-compatibility/2006" xmlns:mv="urn:schemas-microsoft-com:mac:vml" xmlns:ma14="http://schemas.microsoft.com/office/mac/drawingml/2011/main" xmlns="" val="1"/>
             </a:ext>
           </a:extLst>
         </p:spPr>
@@ -7712,7 +7775,7 @@
           </a:prstGeom>
           <a:extLst>
             <a:ext uri="{C572A759-6A51-4108-AA02-DFA0A04FC94B}">
-              <ma14:wrappingTextBoxFlag xmlns="" xmlns:a="http://schemas.openxmlformats.org/drawingml/2006/main" xmlns:r="http://schemas.openxmlformats.org/officeDocument/2006/relationships" xmlns:p="http://schemas.openxmlformats.org/presentationml/2006/main" xmlns:ma14="http://schemas.microsoft.com/office/mac/drawingml/2011/main" xmlns:mv="urn:schemas-microsoft-com:mac:vml" xmlns:mc="http://schemas.openxmlformats.org/markup-compatibility/2006" val="1"/>
+              <ma14:wrappingTextBoxFlag xmlns:mc="http://schemas.openxmlformats.org/markup-compatibility/2006" xmlns:mv="urn:schemas-microsoft-com:mac:vml" xmlns:ma14="http://schemas.microsoft.com/office/mac/drawingml/2011/main" xmlns="" val="1"/>
             </a:ext>
           </a:extLst>
         </p:spPr>
@@ -7815,7 +7878,7 @@
 </file>
 
 <file path=ppt/slides/slide25.xml><?xml version="1.0" encoding="utf-8"?>
-<p:sld xmlns:a="http://schemas.openxmlformats.org/drawingml/2006/main" xmlns:r="http://schemas.openxmlformats.org/officeDocument/2006/relationships" xmlns:mc="http://schemas.openxmlformats.org/markup-compatibility/2006" xmlns:mv="urn:schemas-microsoft-com:mac:vml" xmlns:p="http://schemas.openxmlformats.org/presentationml/2006/main" mc:Ignorable="mv" mc:PreserveAttributes="mv:*">
+<p:sld xmlns:a="http://schemas.openxmlformats.org/drawingml/2006/main" xmlns:r="http://schemas.openxmlformats.org/officeDocument/2006/relationships" xmlns:p="http://schemas.openxmlformats.org/presentationml/2006/main">
   <p:cSld>
     <p:spTree>
       <p:nvGrpSpPr>
@@ -7847,7 +7910,7 @@
           </a:prstGeom>
           <a:extLst>
             <a:ext uri="{C572A759-6A51-4108-AA02-DFA0A04FC94B}">
-              <ma14:wrappingTextBoxFlag xmlns="" xmlns:a="http://schemas.openxmlformats.org/drawingml/2006/main" xmlns:r="http://schemas.openxmlformats.org/officeDocument/2006/relationships" xmlns:p="http://schemas.openxmlformats.org/presentationml/2006/main" xmlns:ma14="http://schemas.microsoft.com/office/mac/drawingml/2011/main" xmlns:mv="urn:schemas-microsoft-com:mac:vml" xmlns:mc="http://schemas.openxmlformats.org/markup-compatibility/2006" val="1"/>
+              <ma14:wrappingTextBoxFlag xmlns:mc="http://schemas.openxmlformats.org/markup-compatibility/2006" xmlns:mv="urn:schemas-microsoft-com:mac:vml" xmlns:ma14="http://schemas.microsoft.com/office/mac/drawingml/2011/main" xmlns="" val="1"/>
             </a:ext>
           </a:extLst>
         </p:spPr>
@@ -7941,7 +8004,7 @@
 </file>
 
 <file path=ppt/slides/slide26.xml><?xml version="1.0" encoding="utf-8"?>
-<p:sld xmlns:a="http://schemas.openxmlformats.org/drawingml/2006/main" xmlns:r="http://schemas.openxmlformats.org/officeDocument/2006/relationships" xmlns:mc="http://schemas.openxmlformats.org/markup-compatibility/2006" xmlns:mv="urn:schemas-microsoft-com:mac:vml" xmlns:p="http://schemas.openxmlformats.org/presentationml/2006/main" mc:Ignorable="mv" mc:PreserveAttributes="mv:*">
+<p:sld xmlns:a="http://schemas.openxmlformats.org/drawingml/2006/main" xmlns:r="http://schemas.openxmlformats.org/officeDocument/2006/relationships" xmlns:p="http://schemas.openxmlformats.org/presentationml/2006/main">
   <p:cSld>
     <p:spTree>
       <p:nvGrpSpPr>
@@ -7973,7 +8036,7 @@
           </a:prstGeom>
           <a:extLst>
             <a:ext uri="{C572A759-6A51-4108-AA02-DFA0A04FC94B}">
-              <ma14:wrappingTextBoxFlag xmlns="" xmlns:a="http://schemas.openxmlformats.org/drawingml/2006/main" xmlns:r="http://schemas.openxmlformats.org/officeDocument/2006/relationships" xmlns:p="http://schemas.openxmlformats.org/presentationml/2006/main" xmlns:ma14="http://schemas.microsoft.com/office/mac/drawingml/2011/main" xmlns:mv="urn:schemas-microsoft-com:mac:vml" xmlns:mc="http://schemas.openxmlformats.org/markup-compatibility/2006" val="1"/>
+              <ma14:wrappingTextBoxFlag xmlns:mc="http://schemas.openxmlformats.org/markup-compatibility/2006" xmlns:mv="urn:schemas-microsoft-com:mac:vml" xmlns:ma14="http://schemas.microsoft.com/office/mac/drawingml/2011/main" xmlns="" val="1"/>
             </a:ext>
           </a:extLst>
         </p:spPr>
@@ -8042,7 +8105,7 @@
           </a:prstGeom>
           <a:extLst>
             <a:ext uri="{C572A759-6A51-4108-AA02-DFA0A04FC94B}">
-              <ma14:wrappingTextBoxFlag xmlns="" xmlns:a="http://schemas.openxmlformats.org/drawingml/2006/main" xmlns:r="http://schemas.openxmlformats.org/officeDocument/2006/relationships" xmlns:p="http://schemas.openxmlformats.org/presentationml/2006/main" xmlns:ma14="http://schemas.microsoft.com/office/mac/drawingml/2011/main" xmlns:mv="urn:schemas-microsoft-com:mac:vml" xmlns:mc="http://schemas.openxmlformats.org/markup-compatibility/2006" val="1"/>
+              <ma14:wrappingTextBoxFlag xmlns:mc="http://schemas.openxmlformats.org/markup-compatibility/2006" xmlns:mv="urn:schemas-microsoft-com:mac:vml" xmlns:ma14="http://schemas.microsoft.com/office/mac/drawingml/2011/main" xmlns="" val="1"/>
             </a:ext>
           </a:extLst>
         </p:spPr>
@@ -8382,7 +8445,7 @@
 </file>
 
 <file path=ppt/slides/slide27.xml><?xml version="1.0" encoding="utf-8"?>
-<p:sld xmlns:a="http://schemas.openxmlformats.org/drawingml/2006/main" xmlns:r="http://schemas.openxmlformats.org/officeDocument/2006/relationships" xmlns:mc="http://schemas.openxmlformats.org/markup-compatibility/2006" xmlns:mv="urn:schemas-microsoft-com:mac:vml" xmlns:p="http://schemas.openxmlformats.org/presentationml/2006/main" mc:Ignorable="mv" mc:PreserveAttributes="mv:*">
+<p:sld xmlns:a="http://schemas.openxmlformats.org/drawingml/2006/main" xmlns:r="http://schemas.openxmlformats.org/officeDocument/2006/relationships" xmlns:p="http://schemas.openxmlformats.org/presentationml/2006/main">
   <p:cSld>
     <p:spTree>
       <p:nvGrpSpPr>
@@ -8414,7 +8477,7 @@
           </a:prstGeom>
           <a:extLst>
             <a:ext uri="{C572A759-6A51-4108-AA02-DFA0A04FC94B}">
-              <ma14:wrappingTextBoxFlag xmlns="" xmlns:a="http://schemas.openxmlformats.org/drawingml/2006/main" xmlns:r="http://schemas.openxmlformats.org/officeDocument/2006/relationships" xmlns:p="http://schemas.openxmlformats.org/presentationml/2006/main" xmlns:ma14="http://schemas.microsoft.com/office/mac/drawingml/2011/main" xmlns:mv="urn:schemas-microsoft-com:mac:vml" xmlns:mc="http://schemas.openxmlformats.org/markup-compatibility/2006" val="1"/>
+              <ma14:wrappingTextBoxFlag xmlns:mc="http://schemas.openxmlformats.org/markup-compatibility/2006" xmlns:mv="urn:schemas-microsoft-com:mac:vml" xmlns:ma14="http://schemas.microsoft.com/office/mac/drawingml/2011/main" xmlns="" val="1"/>
             </a:ext>
           </a:extLst>
         </p:spPr>
@@ -8503,7 +8566,7 @@
 </file>
 
 <file path=ppt/slides/slide28.xml><?xml version="1.0" encoding="utf-8"?>
-<p:sld xmlns:a="http://schemas.openxmlformats.org/drawingml/2006/main" xmlns:r="http://schemas.openxmlformats.org/officeDocument/2006/relationships" xmlns:mc="http://schemas.openxmlformats.org/markup-compatibility/2006" xmlns:mv="urn:schemas-microsoft-com:mac:vml" xmlns:p="http://schemas.openxmlformats.org/presentationml/2006/main" mc:Ignorable="mv" mc:PreserveAttributes="mv:*">
+<p:sld xmlns:a="http://schemas.openxmlformats.org/drawingml/2006/main" xmlns:r="http://schemas.openxmlformats.org/officeDocument/2006/relationships" xmlns:p="http://schemas.openxmlformats.org/presentationml/2006/main">
   <p:cSld>
     <p:spTree>
       <p:nvGrpSpPr>
@@ -8535,7 +8598,7 @@
           </a:prstGeom>
           <a:extLst>
             <a:ext uri="{C572A759-6A51-4108-AA02-DFA0A04FC94B}">
-              <ma14:wrappingTextBoxFlag xmlns="" xmlns:a="http://schemas.openxmlformats.org/drawingml/2006/main" xmlns:r="http://schemas.openxmlformats.org/officeDocument/2006/relationships" xmlns:p="http://schemas.openxmlformats.org/presentationml/2006/main" xmlns:ma14="http://schemas.microsoft.com/office/mac/drawingml/2011/main" xmlns:mv="urn:schemas-microsoft-com:mac:vml" xmlns:mc="http://schemas.openxmlformats.org/markup-compatibility/2006" val="1"/>
+              <ma14:wrappingTextBoxFlag xmlns:mc="http://schemas.openxmlformats.org/markup-compatibility/2006" xmlns:mv="urn:schemas-microsoft-com:mac:vml" xmlns:ma14="http://schemas.microsoft.com/office/mac/drawingml/2011/main" xmlns="" val="1"/>
             </a:ext>
           </a:extLst>
         </p:spPr>
@@ -8604,7 +8667,7 @@
           </a:prstGeom>
           <a:extLst>
             <a:ext uri="{C572A759-6A51-4108-AA02-DFA0A04FC94B}">
-              <ma14:wrappingTextBoxFlag xmlns="" xmlns:a="http://schemas.openxmlformats.org/drawingml/2006/main" xmlns:r="http://schemas.openxmlformats.org/officeDocument/2006/relationships" xmlns:p="http://schemas.openxmlformats.org/presentationml/2006/main" xmlns:ma14="http://schemas.microsoft.com/office/mac/drawingml/2011/main" xmlns:mv="urn:schemas-microsoft-com:mac:vml" xmlns:mc="http://schemas.openxmlformats.org/markup-compatibility/2006" val="1"/>
+              <ma14:wrappingTextBoxFlag xmlns:mc="http://schemas.openxmlformats.org/markup-compatibility/2006" xmlns:mv="urn:schemas-microsoft-com:mac:vml" xmlns:ma14="http://schemas.microsoft.com/office/mac/drawingml/2011/main" xmlns="" val="1"/>
             </a:ext>
           </a:extLst>
         </p:spPr>
@@ -8862,7 +8925,7 @@
 </file>
 
 <file path=ppt/slides/slide29.xml><?xml version="1.0" encoding="utf-8"?>
-<p:sld xmlns:a="http://schemas.openxmlformats.org/drawingml/2006/main" xmlns:r="http://schemas.openxmlformats.org/officeDocument/2006/relationships" xmlns:mc="http://schemas.openxmlformats.org/markup-compatibility/2006" xmlns:mv="urn:schemas-microsoft-com:mac:vml" xmlns:p="http://schemas.openxmlformats.org/presentationml/2006/main" mc:Ignorable="mv" mc:PreserveAttributes="mv:*">
+<p:sld xmlns:a="http://schemas.openxmlformats.org/drawingml/2006/main" xmlns:r="http://schemas.openxmlformats.org/officeDocument/2006/relationships" xmlns:p="http://schemas.openxmlformats.org/presentationml/2006/main">
   <p:cSld>
     <p:spTree>
       <p:nvGrpSpPr>
@@ -8894,7 +8957,7 @@
           </a:prstGeom>
           <a:extLst>
             <a:ext uri="{C572A759-6A51-4108-AA02-DFA0A04FC94B}">
-              <ma14:wrappingTextBoxFlag xmlns="" xmlns:a="http://schemas.openxmlformats.org/drawingml/2006/main" xmlns:r="http://schemas.openxmlformats.org/officeDocument/2006/relationships" xmlns:p="http://schemas.openxmlformats.org/presentationml/2006/main" xmlns:ma14="http://schemas.microsoft.com/office/mac/drawingml/2011/main" xmlns:mv="urn:schemas-microsoft-com:mac:vml" xmlns:mc="http://schemas.openxmlformats.org/markup-compatibility/2006" val="1"/>
+              <ma14:wrappingTextBoxFlag xmlns:mc="http://schemas.openxmlformats.org/markup-compatibility/2006" xmlns:mv="urn:schemas-microsoft-com:mac:vml" xmlns:ma14="http://schemas.microsoft.com/office/mac/drawingml/2011/main" xmlns="" val="1"/>
             </a:ext>
           </a:extLst>
         </p:spPr>
@@ -8986,7 +9049,7 @@
 </file>
 
 <file path=ppt/slides/slide3.xml><?xml version="1.0" encoding="utf-8"?>
-<p:sld xmlns:a="http://schemas.openxmlformats.org/drawingml/2006/main" xmlns:r="http://schemas.openxmlformats.org/officeDocument/2006/relationships" xmlns:mc="http://schemas.openxmlformats.org/markup-compatibility/2006" xmlns:mv="urn:schemas-microsoft-com:mac:vml" xmlns:p="http://schemas.openxmlformats.org/presentationml/2006/main" mc:Ignorable="mv" mc:PreserveAttributes="mv:*">
+<p:sld xmlns:a="http://schemas.openxmlformats.org/drawingml/2006/main" xmlns:r="http://schemas.openxmlformats.org/officeDocument/2006/relationships" xmlns:p="http://schemas.openxmlformats.org/presentationml/2006/main">
   <p:cSld>
     <p:spTree>
       <p:nvGrpSpPr>
@@ -9018,7 +9081,7 @@
           </a:prstGeom>
           <a:extLst>
             <a:ext uri="{C572A759-6A51-4108-AA02-DFA0A04FC94B}">
-              <ma14:wrappingTextBoxFlag xmlns="" xmlns:a="http://schemas.openxmlformats.org/drawingml/2006/main" xmlns:r="http://schemas.openxmlformats.org/officeDocument/2006/relationships" xmlns:p="http://schemas.openxmlformats.org/presentationml/2006/main" xmlns:ma14="http://schemas.microsoft.com/office/mac/drawingml/2011/main" xmlns:mv="urn:schemas-microsoft-com:mac:vml" xmlns:mc="http://schemas.openxmlformats.org/markup-compatibility/2006" val="1"/>
+              <ma14:wrappingTextBoxFlag xmlns:mc="http://schemas.openxmlformats.org/markup-compatibility/2006" xmlns:mv="urn:schemas-microsoft-com:mac:vml" xmlns:ma14="http://schemas.microsoft.com/office/mac/drawingml/2011/main" xmlns="" val="1"/>
             </a:ext>
           </a:extLst>
         </p:spPr>
@@ -9087,7 +9150,7 @@
           </a:prstGeom>
           <a:extLst>
             <a:ext uri="{C572A759-6A51-4108-AA02-DFA0A04FC94B}">
-              <ma14:wrappingTextBoxFlag xmlns="" xmlns:a="http://schemas.openxmlformats.org/drawingml/2006/main" xmlns:r="http://schemas.openxmlformats.org/officeDocument/2006/relationships" xmlns:p="http://schemas.openxmlformats.org/presentationml/2006/main" xmlns:ma14="http://schemas.microsoft.com/office/mac/drawingml/2011/main" xmlns:mv="urn:schemas-microsoft-com:mac:vml" xmlns:mc="http://schemas.openxmlformats.org/markup-compatibility/2006" val="1"/>
+              <ma14:wrappingTextBoxFlag xmlns:mc="http://schemas.openxmlformats.org/markup-compatibility/2006" xmlns:mv="urn:schemas-microsoft-com:mac:vml" xmlns:ma14="http://schemas.microsoft.com/office/mac/drawingml/2011/main" xmlns="" val="1"/>
             </a:ext>
           </a:extLst>
         </p:spPr>
@@ -9380,7 +9443,7 @@
 </file>
 
 <file path=ppt/slides/slide30.xml><?xml version="1.0" encoding="utf-8"?>
-<p:sld xmlns:a="http://schemas.openxmlformats.org/drawingml/2006/main" xmlns:r="http://schemas.openxmlformats.org/officeDocument/2006/relationships" xmlns:mc="http://schemas.openxmlformats.org/markup-compatibility/2006" xmlns:mv="urn:schemas-microsoft-com:mac:vml" xmlns:p="http://schemas.openxmlformats.org/presentationml/2006/main" mc:Ignorable="mv" mc:PreserveAttributes="mv:*">
+<p:sld xmlns:a="http://schemas.openxmlformats.org/drawingml/2006/main" xmlns:r="http://schemas.openxmlformats.org/officeDocument/2006/relationships" xmlns:p="http://schemas.openxmlformats.org/presentationml/2006/main">
   <p:cSld>
     <p:spTree>
       <p:nvGrpSpPr>
@@ -9412,7 +9475,7 @@
           </a:prstGeom>
           <a:extLst>
             <a:ext uri="{C572A759-6A51-4108-AA02-DFA0A04FC94B}">
-              <ma14:wrappingTextBoxFlag xmlns="" xmlns:a="http://schemas.openxmlformats.org/drawingml/2006/main" xmlns:r="http://schemas.openxmlformats.org/officeDocument/2006/relationships" xmlns:p="http://schemas.openxmlformats.org/presentationml/2006/main" xmlns:ma14="http://schemas.microsoft.com/office/mac/drawingml/2011/main" xmlns:mv="urn:schemas-microsoft-com:mac:vml" xmlns:mc="http://schemas.openxmlformats.org/markup-compatibility/2006" val="1"/>
+              <ma14:wrappingTextBoxFlag xmlns:mc="http://schemas.openxmlformats.org/markup-compatibility/2006" xmlns:mv="urn:schemas-microsoft-com:mac:vml" xmlns:ma14="http://schemas.microsoft.com/office/mac/drawingml/2011/main" xmlns="" val="1"/>
             </a:ext>
           </a:extLst>
         </p:spPr>
@@ -9481,7 +9544,7 @@
           </a:prstGeom>
           <a:extLst>
             <a:ext uri="{C572A759-6A51-4108-AA02-DFA0A04FC94B}">
-              <ma14:wrappingTextBoxFlag xmlns="" xmlns:a="http://schemas.openxmlformats.org/drawingml/2006/main" xmlns:r="http://schemas.openxmlformats.org/officeDocument/2006/relationships" xmlns:p="http://schemas.openxmlformats.org/presentationml/2006/main" xmlns:ma14="http://schemas.microsoft.com/office/mac/drawingml/2011/main" xmlns:mv="urn:schemas-microsoft-com:mac:vml" xmlns:mc="http://schemas.openxmlformats.org/markup-compatibility/2006" val="1"/>
+              <ma14:wrappingTextBoxFlag xmlns:mc="http://schemas.openxmlformats.org/markup-compatibility/2006" xmlns:mv="urn:schemas-microsoft-com:mac:vml" xmlns:ma14="http://schemas.microsoft.com/office/mac/drawingml/2011/main" xmlns="" val="1"/>
             </a:ext>
           </a:extLst>
         </p:spPr>
@@ -9576,7 +9639,7 @@
 </file>
 
 <file path=ppt/slides/slide31.xml><?xml version="1.0" encoding="utf-8"?>
-<p:sld xmlns:a="http://schemas.openxmlformats.org/drawingml/2006/main" xmlns:r="http://schemas.openxmlformats.org/officeDocument/2006/relationships" xmlns:mc="http://schemas.openxmlformats.org/markup-compatibility/2006" xmlns:mv="urn:schemas-microsoft-com:mac:vml" xmlns:p="http://schemas.openxmlformats.org/presentationml/2006/main" mc:Ignorable="mv" mc:PreserveAttributes="mv:*">
+<p:sld xmlns:a="http://schemas.openxmlformats.org/drawingml/2006/main" xmlns:r="http://schemas.openxmlformats.org/officeDocument/2006/relationships" xmlns:p="http://schemas.openxmlformats.org/presentationml/2006/main">
   <p:cSld>
     <p:spTree>
       <p:nvGrpSpPr>
@@ -9608,7 +9671,7 @@
           </a:prstGeom>
           <a:extLst>
             <a:ext uri="{C572A759-6A51-4108-AA02-DFA0A04FC94B}">
-              <ma14:wrappingTextBoxFlag xmlns="" xmlns:a="http://schemas.openxmlformats.org/drawingml/2006/main" xmlns:r="http://schemas.openxmlformats.org/officeDocument/2006/relationships" xmlns:p="http://schemas.openxmlformats.org/presentationml/2006/main" xmlns:ma14="http://schemas.microsoft.com/office/mac/drawingml/2011/main" xmlns:mv="urn:schemas-microsoft-com:mac:vml" xmlns:mc="http://schemas.openxmlformats.org/markup-compatibility/2006" val="1"/>
+              <ma14:wrappingTextBoxFlag xmlns:mc="http://schemas.openxmlformats.org/markup-compatibility/2006" xmlns:mv="urn:schemas-microsoft-com:mac:vml" xmlns:ma14="http://schemas.microsoft.com/office/mac/drawingml/2011/main" xmlns="" val="1"/>
             </a:ext>
           </a:extLst>
         </p:spPr>
@@ -9677,7 +9740,7 @@
           </a:prstGeom>
           <a:extLst>
             <a:ext uri="{C572A759-6A51-4108-AA02-DFA0A04FC94B}">
-              <ma14:wrappingTextBoxFlag xmlns="" xmlns:a="http://schemas.openxmlformats.org/drawingml/2006/main" xmlns:r="http://schemas.openxmlformats.org/officeDocument/2006/relationships" xmlns:p="http://schemas.openxmlformats.org/presentationml/2006/main" xmlns:ma14="http://schemas.microsoft.com/office/mac/drawingml/2011/main" xmlns:mv="urn:schemas-microsoft-com:mac:vml" xmlns:mc="http://schemas.openxmlformats.org/markup-compatibility/2006" val="1"/>
+              <ma14:wrappingTextBoxFlag xmlns:mc="http://schemas.openxmlformats.org/markup-compatibility/2006" xmlns:mv="urn:schemas-microsoft-com:mac:vml" xmlns:ma14="http://schemas.microsoft.com/office/mac/drawingml/2011/main" xmlns="" val="1"/>
             </a:ext>
           </a:extLst>
         </p:spPr>
@@ -9818,7 +9881,7 @@
 </file>
 
 <file path=ppt/slides/slide32.xml><?xml version="1.0" encoding="utf-8"?>
-<p:sld xmlns:a="http://schemas.openxmlformats.org/drawingml/2006/main" xmlns:r="http://schemas.openxmlformats.org/officeDocument/2006/relationships" xmlns:mc="http://schemas.openxmlformats.org/markup-compatibility/2006" xmlns:mv="urn:schemas-microsoft-com:mac:vml" xmlns:p="http://schemas.openxmlformats.org/presentationml/2006/main" mc:Ignorable="mv" mc:PreserveAttributes="mv:*">
+<p:sld xmlns:a="http://schemas.openxmlformats.org/drawingml/2006/main" xmlns:r="http://schemas.openxmlformats.org/officeDocument/2006/relationships" xmlns:p="http://schemas.openxmlformats.org/presentationml/2006/main">
   <p:cSld>
     <p:spTree>
       <p:nvGrpSpPr>
@@ -9850,7 +9913,7 @@
           </a:prstGeom>
           <a:extLst>
             <a:ext uri="{C572A759-6A51-4108-AA02-DFA0A04FC94B}">
-              <ma14:wrappingTextBoxFlag xmlns="" xmlns:a="http://schemas.openxmlformats.org/drawingml/2006/main" xmlns:r="http://schemas.openxmlformats.org/officeDocument/2006/relationships" xmlns:p="http://schemas.openxmlformats.org/presentationml/2006/main" xmlns:ma14="http://schemas.microsoft.com/office/mac/drawingml/2011/main" xmlns:mv="urn:schemas-microsoft-com:mac:vml" xmlns:mc="http://schemas.openxmlformats.org/markup-compatibility/2006" val="1"/>
+              <ma14:wrappingTextBoxFlag xmlns:mc="http://schemas.openxmlformats.org/markup-compatibility/2006" xmlns:mv="urn:schemas-microsoft-com:mac:vml" xmlns:ma14="http://schemas.microsoft.com/office/mac/drawingml/2011/main" xmlns="" val="1"/>
             </a:ext>
           </a:extLst>
         </p:spPr>
@@ -9919,7 +9982,7 @@
           </a:prstGeom>
           <a:extLst>
             <a:ext uri="{C572A759-6A51-4108-AA02-DFA0A04FC94B}">
-              <ma14:wrappingTextBoxFlag xmlns="" xmlns:a="http://schemas.openxmlformats.org/drawingml/2006/main" xmlns:r="http://schemas.openxmlformats.org/officeDocument/2006/relationships" xmlns:p="http://schemas.openxmlformats.org/presentationml/2006/main" xmlns:ma14="http://schemas.microsoft.com/office/mac/drawingml/2011/main" xmlns:mv="urn:schemas-microsoft-com:mac:vml" xmlns:mc="http://schemas.openxmlformats.org/markup-compatibility/2006" val="1"/>
+              <ma14:wrappingTextBoxFlag xmlns:mc="http://schemas.openxmlformats.org/markup-compatibility/2006" xmlns:mv="urn:schemas-microsoft-com:mac:vml" xmlns:ma14="http://schemas.microsoft.com/office/mac/drawingml/2011/main" xmlns="" val="1"/>
             </a:ext>
           </a:extLst>
         </p:spPr>
@@ -10216,7 +10279,7 @@
 </file>
 
 <file path=ppt/slides/slide33.xml><?xml version="1.0" encoding="utf-8"?>
-<p:sld xmlns:a="http://schemas.openxmlformats.org/drawingml/2006/main" xmlns:r="http://schemas.openxmlformats.org/officeDocument/2006/relationships" xmlns:mc="http://schemas.openxmlformats.org/markup-compatibility/2006" xmlns:mv="urn:schemas-microsoft-com:mac:vml" xmlns:p="http://schemas.openxmlformats.org/presentationml/2006/main" mc:Ignorable="mv" mc:PreserveAttributes="mv:*">
+<p:sld xmlns:a="http://schemas.openxmlformats.org/drawingml/2006/main" xmlns:r="http://schemas.openxmlformats.org/officeDocument/2006/relationships" xmlns:p="http://schemas.openxmlformats.org/presentationml/2006/main">
   <p:cSld>
     <p:spTree>
       <p:nvGrpSpPr>
@@ -10248,7 +10311,7 @@
           </a:prstGeom>
           <a:extLst>
             <a:ext uri="{C572A759-6A51-4108-AA02-DFA0A04FC94B}">
-              <ma14:wrappingTextBoxFlag xmlns="" xmlns:a="http://schemas.openxmlformats.org/drawingml/2006/main" xmlns:r="http://schemas.openxmlformats.org/officeDocument/2006/relationships" xmlns:p="http://schemas.openxmlformats.org/presentationml/2006/main" xmlns:ma14="http://schemas.microsoft.com/office/mac/drawingml/2011/main" xmlns:mv="urn:schemas-microsoft-com:mac:vml" xmlns:mc="http://schemas.openxmlformats.org/markup-compatibility/2006" val="1"/>
+              <ma14:wrappingTextBoxFlag xmlns:mc="http://schemas.openxmlformats.org/markup-compatibility/2006" xmlns:mv="urn:schemas-microsoft-com:mac:vml" xmlns:ma14="http://schemas.microsoft.com/office/mac/drawingml/2011/main" xmlns="" val="1"/>
             </a:ext>
           </a:extLst>
         </p:spPr>
@@ -10317,7 +10380,7 @@
           </a:prstGeom>
           <a:extLst>
             <a:ext uri="{C572A759-6A51-4108-AA02-DFA0A04FC94B}">
-              <ma14:wrappingTextBoxFlag xmlns="" xmlns:a="http://schemas.openxmlformats.org/drawingml/2006/main" xmlns:r="http://schemas.openxmlformats.org/officeDocument/2006/relationships" xmlns:p="http://schemas.openxmlformats.org/presentationml/2006/main" xmlns:ma14="http://schemas.microsoft.com/office/mac/drawingml/2011/main" xmlns:mv="urn:schemas-microsoft-com:mac:vml" xmlns:mc="http://schemas.openxmlformats.org/markup-compatibility/2006" val="1"/>
+              <ma14:wrappingTextBoxFlag xmlns:mc="http://schemas.openxmlformats.org/markup-compatibility/2006" xmlns:mv="urn:schemas-microsoft-com:mac:vml" xmlns:ma14="http://schemas.microsoft.com/office/mac/drawingml/2011/main" xmlns="" val="1"/>
             </a:ext>
           </a:extLst>
         </p:spPr>
@@ -10467,7 +10530,7 @@
 </file>
 
 <file path=ppt/slides/slide34.xml><?xml version="1.0" encoding="utf-8"?>
-<p:sld xmlns:a="http://schemas.openxmlformats.org/drawingml/2006/main" xmlns:r="http://schemas.openxmlformats.org/officeDocument/2006/relationships" xmlns:mc="http://schemas.openxmlformats.org/markup-compatibility/2006" xmlns:mv="urn:schemas-microsoft-com:mac:vml" xmlns:p="http://schemas.openxmlformats.org/presentationml/2006/main" mc:Ignorable="mv" mc:PreserveAttributes="mv:*">
+<p:sld xmlns:a="http://schemas.openxmlformats.org/drawingml/2006/main" xmlns:r="http://schemas.openxmlformats.org/officeDocument/2006/relationships" xmlns:p="http://schemas.openxmlformats.org/presentationml/2006/main">
   <p:cSld>
     <p:spTree>
       <p:nvGrpSpPr>
@@ -10499,7 +10562,7 @@
           </a:prstGeom>
           <a:extLst>
             <a:ext uri="{C572A759-6A51-4108-AA02-DFA0A04FC94B}">
-              <ma14:wrappingTextBoxFlag xmlns="" xmlns:a="http://schemas.openxmlformats.org/drawingml/2006/main" xmlns:r="http://schemas.openxmlformats.org/officeDocument/2006/relationships" xmlns:p="http://schemas.openxmlformats.org/presentationml/2006/main" xmlns:ma14="http://schemas.microsoft.com/office/mac/drawingml/2011/main" xmlns:mv="urn:schemas-microsoft-com:mac:vml" xmlns:mc="http://schemas.openxmlformats.org/markup-compatibility/2006" val="1"/>
+              <ma14:wrappingTextBoxFlag xmlns:mc="http://schemas.openxmlformats.org/markup-compatibility/2006" xmlns:mv="urn:schemas-microsoft-com:mac:vml" xmlns:ma14="http://schemas.microsoft.com/office/mac/drawingml/2011/main" xmlns="" val="1"/>
             </a:ext>
           </a:extLst>
         </p:spPr>
@@ -10568,7 +10631,7 @@
           </a:prstGeom>
           <a:extLst>
             <a:ext uri="{C572A759-6A51-4108-AA02-DFA0A04FC94B}">
-              <ma14:wrappingTextBoxFlag xmlns="" xmlns:a="http://schemas.openxmlformats.org/drawingml/2006/main" xmlns:r="http://schemas.openxmlformats.org/officeDocument/2006/relationships" xmlns:p="http://schemas.openxmlformats.org/presentationml/2006/main" xmlns:ma14="http://schemas.microsoft.com/office/mac/drawingml/2011/main" xmlns:mv="urn:schemas-microsoft-com:mac:vml" xmlns:mc="http://schemas.openxmlformats.org/markup-compatibility/2006" val="1"/>
+              <ma14:wrappingTextBoxFlag xmlns:mc="http://schemas.openxmlformats.org/markup-compatibility/2006" xmlns:mv="urn:schemas-microsoft-com:mac:vml" xmlns:ma14="http://schemas.microsoft.com/office/mac/drawingml/2011/main" xmlns="" val="1"/>
             </a:ext>
           </a:extLst>
         </p:spPr>
@@ -10943,7 +11006,7 @@
 </file>
 
 <file path=ppt/slides/slide35.xml><?xml version="1.0" encoding="utf-8"?>
-<p:sld xmlns:a="http://schemas.openxmlformats.org/drawingml/2006/main" xmlns:r="http://schemas.openxmlformats.org/officeDocument/2006/relationships" xmlns:mc="http://schemas.openxmlformats.org/markup-compatibility/2006" xmlns:mv="urn:schemas-microsoft-com:mac:vml" xmlns:p="http://schemas.openxmlformats.org/presentationml/2006/main" mc:Ignorable="mv" mc:PreserveAttributes="mv:*">
+<p:sld xmlns:a="http://schemas.openxmlformats.org/drawingml/2006/main" xmlns:r="http://schemas.openxmlformats.org/officeDocument/2006/relationships" xmlns:p="http://schemas.openxmlformats.org/presentationml/2006/main">
   <p:cSld>
     <p:spTree>
       <p:nvGrpSpPr>
@@ -10975,7 +11038,7 @@
           </a:prstGeom>
           <a:extLst>
             <a:ext uri="{C572A759-6A51-4108-AA02-DFA0A04FC94B}">
-              <ma14:wrappingTextBoxFlag xmlns="" xmlns:a="http://schemas.openxmlformats.org/drawingml/2006/main" xmlns:r="http://schemas.openxmlformats.org/officeDocument/2006/relationships" xmlns:p="http://schemas.openxmlformats.org/presentationml/2006/main" xmlns:ma14="http://schemas.microsoft.com/office/mac/drawingml/2011/main" xmlns:mv="urn:schemas-microsoft-com:mac:vml" xmlns:mc="http://schemas.openxmlformats.org/markup-compatibility/2006" val="1"/>
+              <ma14:wrappingTextBoxFlag xmlns:mc="http://schemas.openxmlformats.org/markup-compatibility/2006" xmlns:mv="urn:schemas-microsoft-com:mac:vml" xmlns:ma14="http://schemas.microsoft.com/office/mac/drawingml/2011/main" xmlns="" val="1"/>
             </a:ext>
           </a:extLst>
         </p:spPr>
@@ -11044,7 +11107,7 @@
           </a:prstGeom>
           <a:extLst>
             <a:ext uri="{C572A759-6A51-4108-AA02-DFA0A04FC94B}">
-              <ma14:wrappingTextBoxFlag xmlns="" xmlns:a="http://schemas.openxmlformats.org/drawingml/2006/main" xmlns:r="http://schemas.openxmlformats.org/officeDocument/2006/relationships" xmlns:p="http://schemas.openxmlformats.org/presentationml/2006/main" xmlns:ma14="http://schemas.microsoft.com/office/mac/drawingml/2011/main" xmlns:mv="urn:schemas-microsoft-com:mac:vml" xmlns:mc="http://schemas.openxmlformats.org/markup-compatibility/2006" val="1"/>
+              <ma14:wrappingTextBoxFlag xmlns:mc="http://schemas.openxmlformats.org/markup-compatibility/2006" xmlns:mv="urn:schemas-microsoft-com:mac:vml" xmlns:ma14="http://schemas.microsoft.com/office/mac/drawingml/2011/main" xmlns="" val="1"/>
             </a:ext>
           </a:extLst>
         </p:spPr>
@@ -11513,7 +11576,7 @@
 </file>
 
 <file path=ppt/slides/slide36.xml><?xml version="1.0" encoding="utf-8"?>
-<p:sld xmlns:a="http://schemas.openxmlformats.org/drawingml/2006/main" xmlns:r="http://schemas.openxmlformats.org/officeDocument/2006/relationships" xmlns:mc="http://schemas.openxmlformats.org/markup-compatibility/2006" xmlns:mv="urn:schemas-microsoft-com:mac:vml" xmlns:p="http://schemas.openxmlformats.org/presentationml/2006/main" mc:Ignorable="mv" mc:PreserveAttributes="mv:*">
+<p:sld xmlns:a="http://schemas.openxmlformats.org/drawingml/2006/main" xmlns:r="http://schemas.openxmlformats.org/officeDocument/2006/relationships" xmlns:p="http://schemas.openxmlformats.org/presentationml/2006/main">
   <p:cSld>
     <p:spTree>
       <p:nvGrpSpPr>
@@ -11545,7 +11608,7 @@
           </a:prstGeom>
           <a:extLst>
             <a:ext uri="{C572A759-6A51-4108-AA02-DFA0A04FC94B}">
-              <ma14:wrappingTextBoxFlag xmlns="" xmlns:a="http://schemas.openxmlformats.org/drawingml/2006/main" xmlns:r="http://schemas.openxmlformats.org/officeDocument/2006/relationships" xmlns:p="http://schemas.openxmlformats.org/presentationml/2006/main" xmlns:ma14="http://schemas.microsoft.com/office/mac/drawingml/2011/main" xmlns:mv="urn:schemas-microsoft-com:mac:vml" xmlns:mc="http://schemas.openxmlformats.org/markup-compatibility/2006" val="1"/>
+              <ma14:wrappingTextBoxFlag xmlns:mc="http://schemas.openxmlformats.org/markup-compatibility/2006" xmlns:mv="urn:schemas-microsoft-com:mac:vml" xmlns:ma14="http://schemas.microsoft.com/office/mac/drawingml/2011/main" xmlns="" val="1"/>
             </a:ext>
           </a:extLst>
         </p:spPr>
@@ -11614,7 +11677,7 @@
           </a:prstGeom>
           <a:extLst>
             <a:ext uri="{C572A759-6A51-4108-AA02-DFA0A04FC94B}">
-              <ma14:wrappingTextBoxFlag xmlns="" xmlns:a="http://schemas.openxmlformats.org/drawingml/2006/main" xmlns:r="http://schemas.openxmlformats.org/officeDocument/2006/relationships" xmlns:p="http://schemas.openxmlformats.org/presentationml/2006/main" xmlns:ma14="http://schemas.microsoft.com/office/mac/drawingml/2011/main" xmlns:mv="urn:schemas-microsoft-com:mac:vml" xmlns:mc="http://schemas.openxmlformats.org/markup-compatibility/2006" val="1"/>
+              <ma14:wrappingTextBoxFlag xmlns:mc="http://schemas.openxmlformats.org/markup-compatibility/2006" xmlns:mv="urn:schemas-microsoft-com:mac:vml" xmlns:ma14="http://schemas.microsoft.com/office/mac/drawingml/2011/main" xmlns="" val="1"/>
             </a:ext>
           </a:extLst>
         </p:spPr>
@@ -12050,7 +12113,7 @@
 </file>
 
 <file path=ppt/slides/slide37.xml><?xml version="1.0" encoding="utf-8"?>
-<p:sld xmlns:a="http://schemas.openxmlformats.org/drawingml/2006/main" xmlns:r="http://schemas.openxmlformats.org/officeDocument/2006/relationships" xmlns:mc="http://schemas.openxmlformats.org/markup-compatibility/2006" xmlns:mv="urn:schemas-microsoft-com:mac:vml" xmlns:p="http://schemas.openxmlformats.org/presentationml/2006/main" mc:Ignorable="mv" mc:PreserveAttributes="mv:*">
+<p:sld xmlns:a="http://schemas.openxmlformats.org/drawingml/2006/main" xmlns:r="http://schemas.openxmlformats.org/officeDocument/2006/relationships" xmlns:p="http://schemas.openxmlformats.org/presentationml/2006/main">
   <p:cSld>
     <p:spTree>
       <p:nvGrpSpPr>
@@ -12082,7 +12145,7 @@
           </a:prstGeom>
           <a:extLst>
             <a:ext uri="{C572A759-6A51-4108-AA02-DFA0A04FC94B}">
-              <ma14:wrappingTextBoxFlag xmlns="" xmlns:a="http://schemas.openxmlformats.org/drawingml/2006/main" xmlns:r="http://schemas.openxmlformats.org/officeDocument/2006/relationships" xmlns:p="http://schemas.openxmlformats.org/presentationml/2006/main" xmlns:ma14="http://schemas.microsoft.com/office/mac/drawingml/2011/main" xmlns:mv="urn:schemas-microsoft-com:mac:vml" xmlns:mc="http://schemas.openxmlformats.org/markup-compatibility/2006" val="1"/>
+              <ma14:wrappingTextBoxFlag xmlns:mc="http://schemas.openxmlformats.org/markup-compatibility/2006" xmlns:mv="urn:schemas-microsoft-com:mac:vml" xmlns:ma14="http://schemas.microsoft.com/office/mac/drawingml/2011/main" xmlns="" val="1"/>
             </a:ext>
           </a:extLst>
         </p:spPr>
@@ -12151,7 +12214,7 @@
           </a:prstGeom>
           <a:extLst>
             <a:ext uri="{C572A759-6A51-4108-AA02-DFA0A04FC94B}">
-              <ma14:wrappingTextBoxFlag xmlns="" xmlns:a="http://schemas.openxmlformats.org/drawingml/2006/main" xmlns:r="http://schemas.openxmlformats.org/officeDocument/2006/relationships" xmlns:p="http://schemas.openxmlformats.org/presentationml/2006/main" xmlns:ma14="http://schemas.microsoft.com/office/mac/drawingml/2011/main" xmlns:mv="urn:schemas-microsoft-com:mac:vml" xmlns:mc="http://schemas.openxmlformats.org/markup-compatibility/2006" val="1"/>
+              <ma14:wrappingTextBoxFlag xmlns:mc="http://schemas.openxmlformats.org/markup-compatibility/2006" xmlns:mv="urn:schemas-microsoft-com:mac:vml" xmlns:ma14="http://schemas.microsoft.com/office/mac/drawingml/2011/main" xmlns="" val="1"/>
             </a:ext>
           </a:extLst>
         </p:spPr>
@@ -12436,7 +12499,7 @@
 </file>
 
 <file path=ppt/slides/slide38.xml><?xml version="1.0" encoding="utf-8"?>
-<p:sld xmlns:a="http://schemas.openxmlformats.org/drawingml/2006/main" xmlns:r="http://schemas.openxmlformats.org/officeDocument/2006/relationships" xmlns:mc="http://schemas.openxmlformats.org/markup-compatibility/2006" xmlns:mv="urn:schemas-microsoft-com:mac:vml" xmlns:p="http://schemas.openxmlformats.org/presentationml/2006/main" mc:Ignorable="mv" mc:PreserveAttributes="mv:*">
+<p:sld xmlns:a="http://schemas.openxmlformats.org/drawingml/2006/main" xmlns:r="http://schemas.openxmlformats.org/officeDocument/2006/relationships" xmlns:p="http://schemas.openxmlformats.org/presentationml/2006/main">
   <p:cSld>
     <p:spTree>
       <p:nvGrpSpPr>
@@ -12468,7 +12531,7 @@
           </a:prstGeom>
           <a:extLst>
             <a:ext uri="{C572A759-6A51-4108-AA02-DFA0A04FC94B}">
-              <ma14:wrappingTextBoxFlag xmlns="" xmlns:a="http://schemas.openxmlformats.org/drawingml/2006/main" xmlns:r="http://schemas.openxmlformats.org/officeDocument/2006/relationships" xmlns:p="http://schemas.openxmlformats.org/presentationml/2006/main" xmlns:ma14="http://schemas.microsoft.com/office/mac/drawingml/2011/main" xmlns:mv="urn:schemas-microsoft-com:mac:vml" xmlns:mc="http://schemas.openxmlformats.org/markup-compatibility/2006" val="1"/>
+              <ma14:wrappingTextBoxFlag xmlns:mc="http://schemas.openxmlformats.org/markup-compatibility/2006" xmlns:mv="urn:schemas-microsoft-com:mac:vml" xmlns:ma14="http://schemas.microsoft.com/office/mac/drawingml/2011/main" xmlns="" val="1"/>
             </a:ext>
           </a:extLst>
         </p:spPr>
@@ -12537,7 +12600,7 @@
           </a:prstGeom>
           <a:extLst>
             <a:ext uri="{C572A759-6A51-4108-AA02-DFA0A04FC94B}">
-              <ma14:wrappingTextBoxFlag xmlns="" xmlns:a="http://schemas.openxmlformats.org/drawingml/2006/main" xmlns:r="http://schemas.openxmlformats.org/officeDocument/2006/relationships" xmlns:p="http://schemas.openxmlformats.org/presentationml/2006/main" xmlns:ma14="http://schemas.microsoft.com/office/mac/drawingml/2011/main" xmlns:mv="urn:schemas-microsoft-com:mac:vml" xmlns:mc="http://schemas.openxmlformats.org/markup-compatibility/2006" val="1"/>
+              <ma14:wrappingTextBoxFlag xmlns:mc="http://schemas.openxmlformats.org/markup-compatibility/2006" xmlns:mv="urn:schemas-microsoft-com:mac:vml" xmlns:ma14="http://schemas.microsoft.com/office/mac/drawingml/2011/main" xmlns="" val="1"/>
             </a:ext>
           </a:extLst>
         </p:spPr>
@@ -13012,7 +13075,7 @@
 </file>
 
 <file path=ppt/slides/slide39.xml><?xml version="1.0" encoding="utf-8"?>
-<p:sld xmlns:a="http://schemas.openxmlformats.org/drawingml/2006/main" xmlns:r="http://schemas.openxmlformats.org/officeDocument/2006/relationships" xmlns:mc="http://schemas.openxmlformats.org/markup-compatibility/2006" xmlns:mv="urn:schemas-microsoft-com:mac:vml" xmlns:p="http://schemas.openxmlformats.org/presentationml/2006/main" mc:Ignorable="mv" mc:PreserveAttributes="mv:*">
+<p:sld xmlns:a="http://schemas.openxmlformats.org/drawingml/2006/main" xmlns:r="http://schemas.openxmlformats.org/officeDocument/2006/relationships" xmlns:p="http://schemas.openxmlformats.org/presentationml/2006/main">
   <p:cSld>
     <p:spTree>
       <p:nvGrpSpPr>
@@ -13044,7 +13107,7 @@
           </a:prstGeom>
           <a:extLst>
             <a:ext uri="{C572A759-6A51-4108-AA02-DFA0A04FC94B}">
-              <ma14:wrappingTextBoxFlag xmlns="" xmlns:a="http://schemas.openxmlformats.org/drawingml/2006/main" xmlns:r="http://schemas.openxmlformats.org/officeDocument/2006/relationships" xmlns:p="http://schemas.openxmlformats.org/presentationml/2006/main" xmlns:ma14="http://schemas.microsoft.com/office/mac/drawingml/2011/main" xmlns:mv="urn:schemas-microsoft-com:mac:vml" xmlns:mc="http://schemas.openxmlformats.org/markup-compatibility/2006" val="1"/>
+              <ma14:wrappingTextBoxFlag xmlns:mc="http://schemas.openxmlformats.org/markup-compatibility/2006" xmlns:mv="urn:schemas-microsoft-com:mac:vml" xmlns:ma14="http://schemas.microsoft.com/office/mac/drawingml/2011/main" xmlns="" val="1"/>
             </a:ext>
           </a:extLst>
         </p:spPr>
@@ -13113,7 +13176,7 @@
           </a:prstGeom>
           <a:extLst>
             <a:ext uri="{C572A759-6A51-4108-AA02-DFA0A04FC94B}">
-              <ma14:wrappingTextBoxFlag xmlns="" xmlns:a="http://schemas.openxmlformats.org/drawingml/2006/main" xmlns:r="http://schemas.openxmlformats.org/officeDocument/2006/relationships" xmlns:p="http://schemas.openxmlformats.org/presentationml/2006/main" xmlns:ma14="http://schemas.microsoft.com/office/mac/drawingml/2011/main" xmlns:mv="urn:schemas-microsoft-com:mac:vml" xmlns:mc="http://schemas.openxmlformats.org/markup-compatibility/2006" val="1"/>
+              <ma14:wrappingTextBoxFlag xmlns:mc="http://schemas.openxmlformats.org/markup-compatibility/2006" xmlns:mv="urn:schemas-microsoft-com:mac:vml" xmlns:ma14="http://schemas.microsoft.com/office/mac/drawingml/2011/main" xmlns="" val="1"/>
             </a:ext>
           </a:extLst>
         </p:spPr>
@@ -13208,7 +13271,7 @@
           </a:prstGeom>
           <a:extLst>
             <a:ext uri="{C572A759-6A51-4108-AA02-DFA0A04FC94B}">
-              <ma14:wrappingTextBoxFlag xmlns="" xmlns:a="http://schemas.openxmlformats.org/drawingml/2006/main" xmlns:r="http://schemas.openxmlformats.org/officeDocument/2006/relationships" xmlns:p="http://schemas.openxmlformats.org/presentationml/2006/main" xmlns:ma14="http://schemas.microsoft.com/office/mac/drawingml/2011/main" xmlns:mv="urn:schemas-microsoft-com:mac:vml" xmlns:mc="http://schemas.openxmlformats.org/markup-compatibility/2006" val="1"/>
+              <ma14:wrappingTextBoxFlag xmlns:mc="http://schemas.openxmlformats.org/markup-compatibility/2006" xmlns:mv="urn:schemas-microsoft-com:mac:vml" xmlns:ma14="http://schemas.microsoft.com/office/mac/drawingml/2011/main" xmlns="" val="1"/>
             </a:ext>
           </a:extLst>
         </p:spPr>
@@ -13288,7 +13351,7 @@
 </file>
 
 <file path=ppt/slides/slide4.xml><?xml version="1.0" encoding="utf-8"?>
-<p:sld xmlns:a="http://schemas.openxmlformats.org/drawingml/2006/main" xmlns:r="http://schemas.openxmlformats.org/officeDocument/2006/relationships" xmlns:mc="http://schemas.openxmlformats.org/markup-compatibility/2006" xmlns:mv="urn:schemas-microsoft-com:mac:vml" xmlns:p="http://schemas.openxmlformats.org/presentationml/2006/main" mc:Ignorable="mv" mc:PreserveAttributes="mv:*">
+<p:sld xmlns:a="http://schemas.openxmlformats.org/drawingml/2006/main" xmlns:r="http://schemas.openxmlformats.org/officeDocument/2006/relationships" xmlns:p="http://schemas.openxmlformats.org/presentationml/2006/main">
   <p:cSld>
     <p:spTree>
       <p:nvGrpSpPr>
@@ -13320,7 +13383,7 @@
           </a:prstGeom>
           <a:extLst>
             <a:ext uri="{C572A759-6A51-4108-AA02-DFA0A04FC94B}">
-              <ma14:wrappingTextBoxFlag xmlns="" xmlns:a="http://schemas.openxmlformats.org/drawingml/2006/main" xmlns:r="http://schemas.openxmlformats.org/officeDocument/2006/relationships" xmlns:p="http://schemas.openxmlformats.org/presentationml/2006/main" xmlns:ma14="http://schemas.microsoft.com/office/mac/drawingml/2011/main" xmlns:mv="urn:schemas-microsoft-com:mac:vml" xmlns:mc="http://schemas.openxmlformats.org/markup-compatibility/2006" val="1"/>
+              <ma14:wrappingTextBoxFlag xmlns:mc="http://schemas.openxmlformats.org/markup-compatibility/2006" xmlns:mv="urn:schemas-microsoft-com:mac:vml" xmlns:ma14="http://schemas.microsoft.com/office/mac/drawingml/2011/main" xmlns="" val="1"/>
             </a:ext>
           </a:extLst>
         </p:spPr>
@@ -13405,7 +13468,7 @@
           </a:prstGeom>
           <a:extLst>
             <a:ext uri="{C572A759-6A51-4108-AA02-DFA0A04FC94B}">
-              <ma14:wrappingTextBoxFlag xmlns="" xmlns:a="http://schemas.openxmlformats.org/drawingml/2006/main" xmlns:r="http://schemas.openxmlformats.org/officeDocument/2006/relationships" xmlns:p="http://schemas.openxmlformats.org/presentationml/2006/main" xmlns:ma14="http://schemas.microsoft.com/office/mac/drawingml/2011/main" xmlns:mv="urn:schemas-microsoft-com:mac:vml" xmlns:mc="http://schemas.openxmlformats.org/markup-compatibility/2006" val="1"/>
+              <ma14:wrappingTextBoxFlag xmlns:mc="http://schemas.openxmlformats.org/markup-compatibility/2006" xmlns:mv="urn:schemas-microsoft-com:mac:vml" xmlns:ma14="http://schemas.microsoft.com/office/mac/drawingml/2011/main" xmlns="" val="1"/>
             </a:ext>
           </a:extLst>
         </p:spPr>
@@ -13797,7 +13860,7 @@
 </file>
 
 <file path=ppt/slides/slide40.xml><?xml version="1.0" encoding="utf-8"?>
-<p:sld xmlns:a="http://schemas.openxmlformats.org/drawingml/2006/main" xmlns:r="http://schemas.openxmlformats.org/officeDocument/2006/relationships" xmlns:mc="http://schemas.openxmlformats.org/markup-compatibility/2006" xmlns:mv="urn:schemas-microsoft-com:mac:vml" xmlns:p="http://schemas.openxmlformats.org/presentationml/2006/main" mc:Ignorable="mv" mc:PreserveAttributes="mv:*">
+<p:sld xmlns:a="http://schemas.openxmlformats.org/drawingml/2006/main" xmlns:r="http://schemas.openxmlformats.org/officeDocument/2006/relationships" xmlns:p="http://schemas.openxmlformats.org/presentationml/2006/main">
   <p:cSld>
     <p:spTree>
       <p:nvGrpSpPr>
@@ -13829,7 +13892,7 @@
           </a:prstGeom>
           <a:extLst>
             <a:ext uri="{C572A759-6A51-4108-AA02-DFA0A04FC94B}">
-              <ma14:wrappingTextBoxFlag xmlns="" xmlns:a="http://schemas.openxmlformats.org/drawingml/2006/main" xmlns:r="http://schemas.openxmlformats.org/officeDocument/2006/relationships" xmlns:p="http://schemas.openxmlformats.org/presentationml/2006/main" xmlns:ma14="http://schemas.microsoft.com/office/mac/drawingml/2011/main" xmlns:mv="urn:schemas-microsoft-com:mac:vml" xmlns:mc="http://schemas.openxmlformats.org/markup-compatibility/2006" val="1"/>
+              <ma14:wrappingTextBoxFlag xmlns:mc="http://schemas.openxmlformats.org/markup-compatibility/2006" xmlns:mv="urn:schemas-microsoft-com:mac:vml" xmlns:ma14="http://schemas.microsoft.com/office/mac/drawingml/2011/main" xmlns="" val="1"/>
             </a:ext>
           </a:extLst>
         </p:spPr>
@@ -13898,7 +13961,7 @@
           </a:prstGeom>
           <a:extLst>
             <a:ext uri="{C572A759-6A51-4108-AA02-DFA0A04FC94B}">
-              <ma14:wrappingTextBoxFlag xmlns="" xmlns:a="http://schemas.openxmlformats.org/drawingml/2006/main" xmlns:r="http://schemas.openxmlformats.org/officeDocument/2006/relationships" xmlns:p="http://schemas.openxmlformats.org/presentationml/2006/main" xmlns:ma14="http://schemas.microsoft.com/office/mac/drawingml/2011/main" xmlns:mv="urn:schemas-microsoft-com:mac:vml" xmlns:mc="http://schemas.openxmlformats.org/markup-compatibility/2006" val="1"/>
+              <ma14:wrappingTextBoxFlag xmlns:mc="http://schemas.openxmlformats.org/markup-compatibility/2006" xmlns:mv="urn:schemas-microsoft-com:mac:vml" xmlns:ma14="http://schemas.microsoft.com/office/mac/drawingml/2011/main" xmlns="" val="1"/>
             </a:ext>
           </a:extLst>
         </p:spPr>
@@ -14317,7 +14380,7 @@
 </file>
 
 <file path=ppt/slides/slide41.xml><?xml version="1.0" encoding="utf-8"?>
-<p:sld xmlns:a="http://schemas.openxmlformats.org/drawingml/2006/main" xmlns:r="http://schemas.openxmlformats.org/officeDocument/2006/relationships" xmlns:mc="http://schemas.openxmlformats.org/markup-compatibility/2006" xmlns:mv="urn:schemas-microsoft-com:mac:vml" xmlns:p="http://schemas.openxmlformats.org/presentationml/2006/main" mc:Ignorable="mv" mc:PreserveAttributes="mv:*">
+<p:sld xmlns:a="http://schemas.openxmlformats.org/drawingml/2006/main" xmlns:r="http://schemas.openxmlformats.org/officeDocument/2006/relationships" xmlns:p="http://schemas.openxmlformats.org/presentationml/2006/main">
   <p:cSld>
     <p:spTree>
       <p:nvGrpSpPr>
@@ -14349,7 +14412,7 @@
           </a:prstGeom>
           <a:extLst>
             <a:ext uri="{C572A759-6A51-4108-AA02-DFA0A04FC94B}">
-              <ma14:wrappingTextBoxFlag xmlns="" xmlns:a="http://schemas.openxmlformats.org/drawingml/2006/main" xmlns:r="http://schemas.openxmlformats.org/officeDocument/2006/relationships" xmlns:p="http://schemas.openxmlformats.org/presentationml/2006/main" xmlns:ma14="http://schemas.microsoft.com/office/mac/drawingml/2011/main" xmlns:mv="urn:schemas-microsoft-com:mac:vml" xmlns:mc="http://schemas.openxmlformats.org/markup-compatibility/2006" val="1"/>
+              <ma14:wrappingTextBoxFlag xmlns:mc="http://schemas.openxmlformats.org/markup-compatibility/2006" xmlns:mv="urn:schemas-microsoft-com:mac:vml" xmlns:ma14="http://schemas.microsoft.com/office/mac/drawingml/2011/main" xmlns="" val="1"/>
             </a:ext>
           </a:extLst>
         </p:spPr>
@@ -14418,7 +14481,7 @@
           </a:prstGeom>
           <a:extLst>
             <a:ext uri="{C572A759-6A51-4108-AA02-DFA0A04FC94B}">
-              <ma14:wrappingTextBoxFlag xmlns="" xmlns:a="http://schemas.openxmlformats.org/drawingml/2006/main" xmlns:r="http://schemas.openxmlformats.org/officeDocument/2006/relationships" xmlns:p="http://schemas.openxmlformats.org/presentationml/2006/main" xmlns:ma14="http://schemas.microsoft.com/office/mac/drawingml/2011/main" xmlns:mv="urn:schemas-microsoft-com:mac:vml" xmlns:mc="http://schemas.openxmlformats.org/markup-compatibility/2006" val="1"/>
+              <ma14:wrappingTextBoxFlag xmlns:mc="http://schemas.openxmlformats.org/markup-compatibility/2006" xmlns:mv="urn:schemas-microsoft-com:mac:vml" xmlns:ma14="http://schemas.microsoft.com/office/mac/drawingml/2011/main" xmlns="" val="1"/>
             </a:ext>
           </a:extLst>
         </p:spPr>
@@ -14914,7 +14977,7 @@
 </file>
 
 <file path=ppt/slides/slide5.xml><?xml version="1.0" encoding="utf-8"?>
-<p:sld xmlns:a="http://schemas.openxmlformats.org/drawingml/2006/main" xmlns:r="http://schemas.openxmlformats.org/officeDocument/2006/relationships" xmlns:mc="http://schemas.openxmlformats.org/markup-compatibility/2006" xmlns:mv="urn:schemas-microsoft-com:mac:vml" xmlns:p="http://schemas.openxmlformats.org/presentationml/2006/main" mc:Ignorable="mv" mc:PreserveAttributes="mv:*">
+<p:sld xmlns:a="http://schemas.openxmlformats.org/drawingml/2006/main" xmlns:r="http://schemas.openxmlformats.org/officeDocument/2006/relationships" xmlns:p="http://schemas.openxmlformats.org/presentationml/2006/main">
   <p:cSld>
     <p:spTree>
       <p:nvGrpSpPr>
@@ -14946,7 +15009,7 @@
           </a:prstGeom>
           <a:extLst>
             <a:ext uri="{C572A759-6A51-4108-AA02-DFA0A04FC94B}">
-              <ma14:wrappingTextBoxFlag xmlns="" xmlns:a="http://schemas.openxmlformats.org/drawingml/2006/main" xmlns:r="http://schemas.openxmlformats.org/officeDocument/2006/relationships" xmlns:p="http://schemas.openxmlformats.org/presentationml/2006/main" xmlns:ma14="http://schemas.microsoft.com/office/mac/drawingml/2011/main" xmlns:mv="urn:schemas-microsoft-com:mac:vml" xmlns:mc="http://schemas.openxmlformats.org/markup-compatibility/2006" val="1"/>
+              <ma14:wrappingTextBoxFlag xmlns:mc="http://schemas.openxmlformats.org/markup-compatibility/2006" xmlns:mv="urn:schemas-microsoft-com:mac:vml" xmlns:ma14="http://schemas.microsoft.com/office/mac/drawingml/2011/main" xmlns="" val="1"/>
             </a:ext>
           </a:extLst>
         </p:spPr>
@@ -15015,7 +15078,7 @@
           </a:prstGeom>
           <a:extLst>
             <a:ext uri="{C572A759-6A51-4108-AA02-DFA0A04FC94B}">
-              <ma14:wrappingTextBoxFlag xmlns="" xmlns:a="http://schemas.openxmlformats.org/drawingml/2006/main" xmlns:r="http://schemas.openxmlformats.org/officeDocument/2006/relationships" xmlns:p="http://schemas.openxmlformats.org/presentationml/2006/main" xmlns:ma14="http://schemas.microsoft.com/office/mac/drawingml/2011/main" xmlns:mv="urn:schemas-microsoft-com:mac:vml" xmlns:mc="http://schemas.openxmlformats.org/markup-compatibility/2006" val="1"/>
+              <ma14:wrappingTextBoxFlag xmlns:mc="http://schemas.openxmlformats.org/markup-compatibility/2006" xmlns:mv="urn:schemas-microsoft-com:mac:vml" xmlns:ma14="http://schemas.microsoft.com/office/mac/drawingml/2011/main" xmlns="" val="1"/>
             </a:ext>
           </a:extLst>
         </p:spPr>
@@ -15467,7 +15530,7 @@
 </file>
 
 <file path=ppt/slides/slide6.xml><?xml version="1.0" encoding="utf-8"?>
-<p:sld xmlns:a="http://schemas.openxmlformats.org/drawingml/2006/main" xmlns:r="http://schemas.openxmlformats.org/officeDocument/2006/relationships" xmlns:mc="http://schemas.openxmlformats.org/markup-compatibility/2006" xmlns:mv="urn:schemas-microsoft-com:mac:vml" xmlns:p="http://schemas.openxmlformats.org/presentationml/2006/main" mc:Ignorable="mv" mc:PreserveAttributes="mv:*">
+<p:sld xmlns:a="http://schemas.openxmlformats.org/drawingml/2006/main" xmlns:r="http://schemas.openxmlformats.org/officeDocument/2006/relationships" xmlns:p="http://schemas.openxmlformats.org/presentationml/2006/main">
   <p:cSld>
     <p:spTree>
       <p:nvGrpSpPr>
@@ -15694,7 +15757,7 @@
 </file>
 
 <file path=ppt/slides/slide7.xml><?xml version="1.0" encoding="utf-8"?>
-<p:sld xmlns:a="http://schemas.openxmlformats.org/drawingml/2006/main" xmlns:r="http://schemas.openxmlformats.org/officeDocument/2006/relationships" xmlns:mc="http://schemas.openxmlformats.org/markup-compatibility/2006" xmlns:mv="urn:schemas-microsoft-com:mac:vml" xmlns:p="http://schemas.openxmlformats.org/presentationml/2006/main" mc:Ignorable="mv" mc:PreserveAttributes="mv:*">
+<p:sld xmlns:a="http://schemas.openxmlformats.org/drawingml/2006/main" xmlns:r="http://schemas.openxmlformats.org/officeDocument/2006/relationships" xmlns:p="http://schemas.openxmlformats.org/presentationml/2006/main">
   <p:cSld>
     <p:spTree>
       <p:nvGrpSpPr>
@@ -15726,7 +15789,7 @@
           </a:prstGeom>
           <a:extLst>
             <a:ext uri="{C572A759-6A51-4108-AA02-DFA0A04FC94B}">
-              <ma14:wrappingTextBoxFlag xmlns="" xmlns:a="http://schemas.openxmlformats.org/drawingml/2006/main" xmlns:r="http://schemas.openxmlformats.org/officeDocument/2006/relationships" xmlns:p="http://schemas.openxmlformats.org/presentationml/2006/main" xmlns:ma14="http://schemas.microsoft.com/office/mac/drawingml/2011/main" xmlns:mv="urn:schemas-microsoft-com:mac:vml" xmlns:mc="http://schemas.openxmlformats.org/markup-compatibility/2006" val="1"/>
+              <ma14:wrappingTextBoxFlag xmlns:mc="http://schemas.openxmlformats.org/markup-compatibility/2006" xmlns:mv="urn:schemas-microsoft-com:mac:vml" xmlns:ma14="http://schemas.microsoft.com/office/mac/drawingml/2011/main" xmlns="" val="1"/>
             </a:ext>
           </a:extLst>
         </p:spPr>
@@ -15795,7 +15858,7 @@
           </a:prstGeom>
           <a:extLst>
             <a:ext uri="{C572A759-6A51-4108-AA02-DFA0A04FC94B}">
-              <ma14:wrappingTextBoxFlag xmlns="" xmlns:a="http://schemas.openxmlformats.org/drawingml/2006/main" xmlns:r="http://schemas.openxmlformats.org/officeDocument/2006/relationships" xmlns:p="http://schemas.openxmlformats.org/presentationml/2006/main" xmlns:ma14="http://schemas.microsoft.com/office/mac/drawingml/2011/main" xmlns:mv="urn:schemas-microsoft-com:mac:vml" xmlns:mc="http://schemas.openxmlformats.org/markup-compatibility/2006" val="1"/>
+              <ma14:wrappingTextBoxFlag xmlns:mc="http://schemas.openxmlformats.org/markup-compatibility/2006" xmlns:mv="urn:schemas-microsoft-com:mac:vml" xmlns:ma14="http://schemas.microsoft.com/office/mac/drawingml/2011/main" xmlns="" val="1"/>
             </a:ext>
           </a:extLst>
         </p:spPr>
@@ -16095,7 +16158,7 @@
 </file>
 
 <file path=ppt/slides/slide8.xml><?xml version="1.0" encoding="utf-8"?>
-<p:sld xmlns:a="http://schemas.openxmlformats.org/drawingml/2006/main" xmlns:r="http://schemas.openxmlformats.org/officeDocument/2006/relationships" xmlns:mc="http://schemas.openxmlformats.org/markup-compatibility/2006" xmlns:mv="urn:schemas-microsoft-com:mac:vml" xmlns:p="http://schemas.openxmlformats.org/presentationml/2006/main" mc:Ignorable="mv" mc:PreserveAttributes="mv:*">
+<p:sld xmlns:a="http://schemas.openxmlformats.org/drawingml/2006/main" xmlns:r="http://schemas.openxmlformats.org/officeDocument/2006/relationships" xmlns:p="http://schemas.openxmlformats.org/presentationml/2006/main">
   <p:cSld>
     <p:spTree>
       <p:nvGrpSpPr>
@@ -16127,7 +16190,7 @@
           </a:prstGeom>
           <a:extLst>
             <a:ext uri="{C572A759-6A51-4108-AA02-DFA0A04FC94B}">
-              <ma14:wrappingTextBoxFlag xmlns="" xmlns:a="http://schemas.openxmlformats.org/drawingml/2006/main" xmlns:r="http://schemas.openxmlformats.org/officeDocument/2006/relationships" xmlns:p="http://schemas.openxmlformats.org/presentationml/2006/main" xmlns:ma14="http://schemas.microsoft.com/office/mac/drawingml/2011/main" xmlns:mv="urn:schemas-microsoft-com:mac:vml" xmlns:mc="http://schemas.openxmlformats.org/markup-compatibility/2006" val="1"/>
+              <ma14:wrappingTextBoxFlag xmlns:mc="http://schemas.openxmlformats.org/markup-compatibility/2006" xmlns:mv="urn:schemas-microsoft-com:mac:vml" xmlns:ma14="http://schemas.microsoft.com/office/mac/drawingml/2011/main" xmlns="" val="1"/>
             </a:ext>
           </a:extLst>
         </p:spPr>
@@ -16196,7 +16259,7 @@
           </a:prstGeom>
           <a:extLst>
             <a:ext uri="{C572A759-6A51-4108-AA02-DFA0A04FC94B}">
-              <ma14:wrappingTextBoxFlag xmlns="" xmlns:a="http://schemas.openxmlformats.org/drawingml/2006/main" xmlns:r="http://schemas.openxmlformats.org/officeDocument/2006/relationships" xmlns:p="http://schemas.openxmlformats.org/presentationml/2006/main" xmlns:ma14="http://schemas.microsoft.com/office/mac/drawingml/2011/main" xmlns:mv="urn:schemas-microsoft-com:mac:vml" xmlns:mc="http://schemas.openxmlformats.org/markup-compatibility/2006" val="1"/>
+              <ma14:wrappingTextBoxFlag xmlns:mc="http://schemas.openxmlformats.org/markup-compatibility/2006" xmlns:mv="urn:schemas-microsoft-com:mac:vml" xmlns:ma14="http://schemas.microsoft.com/office/mac/drawingml/2011/main" xmlns="" val="1"/>
             </a:ext>
           </a:extLst>
         </p:spPr>
@@ -16568,7 +16631,7 @@
 </file>
 
 <file path=ppt/slides/slide9.xml><?xml version="1.0" encoding="utf-8"?>
-<p:sld xmlns:a="http://schemas.openxmlformats.org/drawingml/2006/main" xmlns:r="http://schemas.openxmlformats.org/officeDocument/2006/relationships" xmlns:mc="http://schemas.openxmlformats.org/markup-compatibility/2006" xmlns:mv="urn:schemas-microsoft-com:mac:vml" xmlns:p="http://schemas.openxmlformats.org/presentationml/2006/main" mc:Ignorable="mv" mc:PreserveAttributes="mv:*">
+<p:sld xmlns:a="http://schemas.openxmlformats.org/drawingml/2006/main" xmlns:r="http://schemas.openxmlformats.org/officeDocument/2006/relationships" xmlns:p="http://schemas.openxmlformats.org/presentationml/2006/main">
   <p:cSld>
     <p:spTree>
       <p:nvGrpSpPr>
@@ -16600,7 +16663,7 @@
           </a:prstGeom>
           <a:extLst>
             <a:ext uri="{C572A759-6A51-4108-AA02-DFA0A04FC94B}">
-              <ma14:wrappingTextBoxFlag xmlns="" xmlns:a="http://schemas.openxmlformats.org/drawingml/2006/main" xmlns:r="http://schemas.openxmlformats.org/officeDocument/2006/relationships" xmlns:p="http://schemas.openxmlformats.org/presentationml/2006/main" xmlns:ma14="http://schemas.microsoft.com/office/mac/drawingml/2011/main" xmlns:mv="urn:schemas-microsoft-com:mac:vml" xmlns:mc="http://schemas.openxmlformats.org/markup-compatibility/2006" val="1"/>
+              <ma14:wrappingTextBoxFlag xmlns:mc="http://schemas.openxmlformats.org/markup-compatibility/2006" xmlns:mv="urn:schemas-microsoft-com:mac:vml" xmlns:ma14="http://schemas.microsoft.com/office/mac/drawingml/2011/main" xmlns="" val="1"/>
             </a:ext>
           </a:extLst>
         </p:spPr>
@@ -16669,7 +16732,7 @@
           </a:prstGeom>
           <a:extLst>
             <a:ext uri="{C572A759-6A51-4108-AA02-DFA0A04FC94B}">
-              <ma14:wrappingTextBoxFlag xmlns="" xmlns:a="http://schemas.openxmlformats.org/drawingml/2006/main" xmlns:r="http://schemas.openxmlformats.org/officeDocument/2006/relationships" xmlns:p="http://schemas.openxmlformats.org/presentationml/2006/main" xmlns:ma14="http://schemas.microsoft.com/office/mac/drawingml/2011/main" xmlns:mv="urn:schemas-microsoft-com:mac:vml" xmlns:mc="http://schemas.openxmlformats.org/markup-compatibility/2006" val="1"/>
+              <ma14:wrappingTextBoxFlag xmlns:mc="http://schemas.openxmlformats.org/markup-compatibility/2006" xmlns:mv="urn:schemas-microsoft-com:mac:vml" xmlns:ma14="http://schemas.microsoft.com/office/mac/drawingml/2011/main" xmlns="" val="1"/>
             </a:ext>
           </a:extLst>
         </p:spPr>
